--- a/print/lesson_65_precal.pptx
+++ b/print/lesson_65_precal.pptx
@@ -17,6 +17,7 @@
     <p:sldId id="262" r:id="rId14"/>
     <p:sldId id="263" r:id="rId15"/>
     <p:sldId id="264" r:id="rId16"/>
+    <p:sldId id="265" r:id="rId17"/>
   </p:sldIdLst>
   <p:sldSz cx="9144000" cy="5143500"/>
   <p:notesSz cx="6858000" cy="9144000"/>
@@ -344,7 +345,7 @@
       </p:grpSpPr>
       <p:sp>
         <p:nvSpPr>
-          <p:cNvPr id="153" name="Shape 153"/>
+          <p:cNvPr id="168" name="Shape 168"/>
           <p:cNvSpPr/>
           <p:nvPr>
             <p:ph type="sldImg"/>
@@ -369,7 +370,7 @@
       </p:sp>
       <p:sp>
         <p:nvSpPr>
-          <p:cNvPr id="154" name="Shape 154"/>
+          <p:cNvPr id="169" name="Shape 169"/>
           <p:cNvSpPr/>
           <p:nvPr>
             <p:ph type="body" sz="quarter" idx="1"/>
@@ -491,7 +492,7 @@
       </p:grpSpPr>
       <p:sp>
         <p:nvSpPr>
-          <p:cNvPr id="158" name="Shape 158"/>
+          <p:cNvPr id="173" name="Shape 173"/>
           <p:cNvSpPr/>
           <p:nvPr>
             <p:ph type="sldImg"/>
@@ -512,7 +513,7 @@
       </p:sp>
       <p:sp>
         <p:nvSpPr>
-          <p:cNvPr id="159" name="Shape 159"/>
+          <p:cNvPr id="174" name="Shape 174"/>
           <p:cNvSpPr/>
           <p:nvPr>
             <p:ph type="body" sz="quarter" idx="1"/>
@@ -573,7 +574,7 @@
       </p:grpSpPr>
       <p:sp>
         <p:nvSpPr>
-          <p:cNvPr id="164" name="Shape 164"/>
+          <p:cNvPr id="179" name="Shape 179"/>
           <p:cNvSpPr/>
           <p:nvPr>
             <p:ph type="sldImg"/>
@@ -594,7 +595,7 @@
       </p:sp>
       <p:sp>
         <p:nvSpPr>
-          <p:cNvPr id="165" name="Shape 165"/>
+          <p:cNvPr id="180" name="Shape 180"/>
           <p:cNvSpPr/>
           <p:nvPr>
             <p:ph type="body" sz="quarter" idx="1"/>
@@ -655,7 +656,7 @@
       </p:grpSpPr>
       <p:sp>
         <p:nvSpPr>
-          <p:cNvPr id="178" name="Shape 178"/>
+          <p:cNvPr id="193" name="Shape 193"/>
           <p:cNvSpPr/>
           <p:nvPr>
             <p:ph type="sldImg"/>
@@ -676,7 +677,7 @@
       </p:sp>
       <p:sp>
         <p:nvSpPr>
-          <p:cNvPr id="179" name="Shape 179"/>
+          <p:cNvPr id="194" name="Shape 194"/>
           <p:cNvSpPr/>
           <p:nvPr>
             <p:ph type="body" sz="quarter" idx="1"/>
@@ -743,7 +744,7 @@
       </p:grpSpPr>
       <p:sp>
         <p:nvSpPr>
-          <p:cNvPr id="184" name="Shape 184"/>
+          <p:cNvPr id="199" name="Shape 199"/>
           <p:cNvSpPr/>
           <p:nvPr>
             <p:ph type="sldImg"/>
@@ -764,7 +765,7 @@
       </p:sp>
       <p:sp>
         <p:nvSpPr>
-          <p:cNvPr id="185" name="Shape 185"/>
+          <p:cNvPr id="200" name="Shape 200"/>
           <p:cNvSpPr/>
           <p:nvPr>
             <p:ph type="body" sz="quarter" idx="1"/>
@@ -818,7 +819,7 @@
       </p:grpSpPr>
       <p:sp>
         <p:nvSpPr>
-          <p:cNvPr id="198" name="Shape 198"/>
+          <p:cNvPr id="213" name="Shape 213"/>
           <p:cNvSpPr/>
           <p:nvPr>
             <p:ph type="sldImg"/>
@@ -839,7 +840,7 @@
       </p:sp>
       <p:sp>
         <p:nvSpPr>
-          <p:cNvPr id="199" name="Shape 199"/>
+          <p:cNvPr id="214" name="Shape 214"/>
           <p:cNvSpPr/>
           <p:nvPr>
             <p:ph type="body" sz="quarter" idx="1"/>
@@ -857,6 +858,76 @@
             <a:pPr/>
             <a:r>
               <a:t>+see answer key</a:t>
+            </a:r>
+          </a:p>
+        </p:txBody>
+      </p:sp>
+    </p:spTree>
+  </p:cSld>
+  <p:clrMapOvr>
+    <a:masterClrMapping/>
+  </p:clrMapOvr>
+</p:notes>
+</file>
+
+<file path=ppt/notesSlides/notesSlide6.xml><?xml version="1.0" encoding="utf-8"?>
+<p:notes xmlns:a="http://schemas.openxmlformats.org/drawingml/2006/main" xmlns:r="http://schemas.openxmlformats.org/officeDocument/2006/relationships" xmlns:p="http://schemas.openxmlformats.org/presentationml/2006/main" xmlns:m="http://schemas.openxmlformats.org/officeDocument/2006/math" xmlns:a14="http://schemas.microsoft.com/office/drawing/2010/main" showMasterSp="1" showMasterPhAnim="1">
+  <p:cSld>
+    <p:spTree>
+      <p:nvGrpSpPr>
+        <p:cNvPr id="1" name=""/>
+        <p:cNvGrpSpPr/>
+        <p:nvPr/>
+      </p:nvGrpSpPr>
+      <p:grpSpPr>
+        <a:xfrm>
+          <a:off x="0" y="0"/>
+          <a:ext cx="0" cy="0"/>
+          <a:chOff x="0" y="0"/>
+          <a:chExt cx="0" cy="0"/>
+        </a:xfrm>
+      </p:grpSpPr>
+      <p:sp>
+        <p:nvSpPr>
+          <p:cNvPr id="219" name="Shape 219"/>
+          <p:cNvSpPr/>
+          <p:nvPr>
+            <p:ph type="sldImg"/>
+          </p:nvPr>
+        </p:nvSpPr>
+        <p:spPr>
+          <a:prstGeom prst="rect">
+            <a:avLst/>
+          </a:prstGeom>
+        </p:spPr>
+        <p:txBody>
+          <a:bodyPr/>
+          <a:lstStyle/>
+          <a:p>
+            <a:pPr/>
+          </a:p>
+        </p:txBody>
+      </p:sp>
+      <p:sp>
+        <p:nvSpPr>
+          <p:cNvPr id="220" name="Shape 220"/>
+          <p:cNvSpPr/>
+          <p:nvPr>
+            <p:ph type="body" sz="quarter" idx="1"/>
+          </p:nvPr>
+        </p:nvSpPr>
+        <p:spPr>
+          <a:prstGeom prst="rect">
+            <a:avLst/>
+          </a:prstGeom>
+        </p:spPr>
+        <p:txBody>
+          <a:bodyPr/>
+          <a:lstStyle/>
+          <a:p>
+            <a:pPr/>
+            <a:r>
+              <a:t>The graph has a negative leading coefficient and an odd highest exponent, so it should decreases as x gets larger. This means that after a certain point </a:t>
             </a:r>
           </a:p>
         </p:txBody>
@@ -1823,6 +1894,392 @@
 </p:sldLayout>
 </file>
 
+<file path=ppt/slideLayouts/slideLayout13.xml><?xml version="1.0" encoding="utf-8"?>
+<p:sldLayout xmlns:a="http://schemas.openxmlformats.org/drawingml/2006/main" xmlns:r="http://schemas.openxmlformats.org/officeDocument/2006/relationships" xmlns:p="http://schemas.openxmlformats.org/presentationml/2006/main" xmlns:m="http://schemas.openxmlformats.org/officeDocument/2006/math" xmlns:a14="http://schemas.microsoft.com/office/drawing/2010/main" type="tx" showMasterSp="0" showMasterPhAnim="1">
+  <p:cSld name="TITLE_AND_BODY">
+    <p:spTree>
+      <p:nvGrpSpPr>
+        <p:cNvPr id="1" name=""/>
+        <p:cNvGrpSpPr/>
+        <p:nvPr/>
+      </p:nvGrpSpPr>
+      <p:grpSpPr>
+        <a:xfrm>
+          <a:off x="0" y="0"/>
+          <a:ext cx="0" cy="0"/>
+          <a:chOff x="0" y="0"/>
+          <a:chExt cx="0" cy="0"/>
+        </a:xfrm>
+      </p:grpSpPr>
+      <p:pic>
+        <p:nvPicPr>
+          <p:cNvPr id="154" name="Google Shape;9;p1" descr="Google Shape;9;p1"/>
+          <p:cNvPicPr>
+            <a:picLocks noChangeAspect="1"/>
+          </p:cNvPicPr>
+          <p:nvPr/>
+        </p:nvPicPr>
+        <p:blipFill>
+          <a:blip r:embed="rId2">
+            <a:extLst/>
+          </a:blip>
+          <a:stretch>
+            <a:fillRect/>
+          </a:stretch>
+        </p:blipFill>
+        <p:spPr>
+          <a:xfrm>
+            <a:off x="0" y="0"/>
+            <a:ext cx="1241700" cy="1241700"/>
+          </a:xfrm>
+          <a:prstGeom prst="rect">
+            <a:avLst/>
+          </a:prstGeom>
+          <a:ln w="12700">
+            <a:miter lim="400000"/>
+          </a:ln>
+        </p:spPr>
+      </p:pic>
+      <p:sp>
+        <p:nvSpPr>
+          <p:cNvPr id="155" name="Google Shape;24;p4"/>
+          <p:cNvSpPr/>
+          <p:nvPr/>
+        </p:nvSpPr>
+        <p:spPr>
+          <a:xfrm>
+            <a:off x="2477722" y="415650"/>
+            <a:ext cx="6244203" cy="1"/>
+          </a:xfrm>
+          <a:prstGeom prst="line">
+            <a:avLst/>
+          </a:prstGeom>
+          <a:ln w="38100">
+            <a:solidFill>
+              <a:srgbClr val="000000"/>
+            </a:solidFill>
+          </a:ln>
+        </p:spPr>
+        <p:txBody>
+          <a:bodyPr lIns="45718" tIns="45718" rIns="45718" bIns="45718"/>
+          <a:lstStyle/>
+          <a:p>
+            <a:pPr/>
+          </a:p>
+        </p:txBody>
+      </p:sp>
+      <p:sp>
+        <p:nvSpPr>
+          <p:cNvPr id="156" name="Google Shape;25;p4"/>
+          <p:cNvSpPr/>
+          <p:nvPr/>
+        </p:nvSpPr>
+        <p:spPr>
+          <a:xfrm>
+            <a:off x="2477722" y="4739999"/>
+            <a:ext cx="6244203" cy="1"/>
+          </a:xfrm>
+          <a:prstGeom prst="line">
+            <a:avLst/>
+          </a:prstGeom>
+          <a:ln w="19050">
+            <a:solidFill>
+              <a:srgbClr val="000000"/>
+            </a:solidFill>
+          </a:ln>
+        </p:spPr>
+        <p:txBody>
+          <a:bodyPr lIns="45718" tIns="45718" rIns="45718" bIns="45718"/>
+          <a:lstStyle/>
+          <a:p>
+            <a:pPr/>
+          </a:p>
+        </p:txBody>
+      </p:sp>
+      <p:sp>
+        <p:nvSpPr>
+          <p:cNvPr id="157" name="Google Shape;26;p4"/>
+          <p:cNvSpPr/>
+          <p:nvPr/>
+        </p:nvSpPr>
+        <p:spPr>
+          <a:xfrm>
+            <a:off x="425197" y="415650"/>
+            <a:ext cx="183302" cy="1"/>
+          </a:xfrm>
+          <a:prstGeom prst="line">
+            <a:avLst/>
+          </a:prstGeom>
+          <a:ln w="19050">
+            <a:solidFill>
+              <a:srgbClr val="000000"/>
+            </a:solidFill>
+          </a:ln>
+        </p:spPr>
+        <p:txBody>
+          <a:bodyPr lIns="45718" tIns="45718" rIns="45718" bIns="45718"/>
+          <a:lstStyle/>
+          <a:p>
+            <a:pPr/>
+          </a:p>
+        </p:txBody>
+      </p:sp>
+      <p:sp>
+        <p:nvSpPr>
+          <p:cNvPr id="158" name="Title Text"/>
+          <p:cNvSpPr txBox="1"/>
+          <p:nvPr>
+            <p:ph type="title"/>
+          </p:nvPr>
+        </p:nvSpPr>
+        <p:spPr>
+          <a:xfrm>
+            <a:off x="2400250" y="575950"/>
+            <a:ext cx="6321601" cy="635402"/>
+          </a:xfrm>
+          <a:prstGeom prst="rect">
+            <a:avLst/>
+          </a:prstGeom>
+        </p:spPr>
+        <p:txBody>
+          <a:bodyPr anchor="t"/>
+          <a:lstStyle>
+            <a:lvl1pPr algn="l">
+              <a:defRPr sz="3000">
+                <a:solidFill>
+                  <a:srgbClr val="000000"/>
+                </a:solidFill>
+                <a:latin typeface="Raleway"/>
+                <a:ea typeface="Raleway"/>
+                <a:cs typeface="Raleway"/>
+                <a:sym typeface="Raleway"/>
+              </a:defRPr>
+            </a:lvl1pPr>
+          </a:lstStyle>
+          <a:p>
+            <a:pPr/>
+            <a:r>
+              <a:t>Title Text</a:t>
+            </a:r>
+          </a:p>
+        </p:txBody>
+      </p:sp>
+      <p:sp>
+        <p:nvSpPr>
+          <p:cNvPr id="159" name="Body Level One…"/>
+          <p:cNvSpPr txBox="1"/>
+          <p:nvPr>
+            <p:ph type="body" idx="1"/>
+          </p:nvPr>
+        </p:nvSpPr>
+        <p:spPr>
+          <a:xfrm>
+            <a:off x="2410111" y="1595776"/>
+            <a:ext cx="6321603" cy="3002402"/>
+          </a:xfrm>
+          <a:prstGeom prst="rect">
+            <a:avLst/>
+          </a:prstGeom>
+        </p:spPr>
+        <p:txBody>
+          <a:bodyPr/>
+          <a:lstStyle>
+            <a:lvl1pPr algn="l"/>
+            <a:lvl2pPr algn="l"/>
+            <a:lvl3pPr algn="l"/>
+            <a:lvl4pPr algn="l"/>
+            <a:lvl5pPr algn="l"/>
+          </a:lstStyle>
+          <a:p>
+            <a:pPr/>
+            <a:r>
+              <a:t>Body Level One</a:t>
+            </a:r>
+          </a:p>
+          <a:p>
+            <a:pPr lvl="1"/>
+            <a:r>
+              <a:t>Body Level Two</a:t>
+            </a:r>
+          </a:p>
+          <a:p>
+            <a:pPr lvl="2"/>
+            <a:r>
+              <a:t>Body Level Three</a:t>
+            </a:r>
+          </a:p>
+          <a:p>
+            <a:pPr lvl="3"/>
+            <a:r>
+              <a:t>Body Level Four</a:t>
+            </a:r>
+          </a:p>
+          <a:p>
+            <a:pPr lvl="4"/>
+            <a:r>
+              <a:t>Body Level Five</a:t>
+            </a:r>
+          </a:p>
+        </p:txBody>
+      </p:sp>
+      <p:sp>
+        <p:nvSpPr>
+          <p:cNvPr id="160" name="Google Shape;30;p4"/>
+          <p:cNvSpPr txBox="1"/>
+          <p:nvPr/>
+        </p:nvSpPr>
+        <p:spPr>
+          <a:xfrm>
+            <a:off x="159380" y="4642306"/>
+            <a:ext cx="8552701" cy="614649"/>
+          </a:xfrm>
+          <a:prstGeom prst="rect">
+            <a:avLst/>
+          </a:prstGeom>
+          <a:ln w="12700">
+            <a:miter lim="400000"/>
+          </a:ln>
+          <a:extLst>
+            <a:ext uri="{C572A759-6A51-4108-AA02-DFA0A04FC94B}">
+              <ma14:wrappingTextBoxFlag xmlns:ma14="http://schemas.microsoft.com/office/mac/drawingml/2011/main" val="1"/>
+            </a:ext>
+          </a:extLst>
+        </p:spPr>
+        <p:txBody>
+          <a:bodyPr lIns="91423" tIns="91423" rIns="91423" bIns="91423">
+            <a:spAutoFit/>
+          </a:bodyPr>
+          <a:lstStyle/>
+          <a:p>
+            <a:pPr>
+              <a:defRPr b="1">
+                <a:solidFill>
+                  <a:srgbClr val="000000"/>
+                </a:solidFill>
+                <a:latin typeface="Lato"/>
+                <a:ea typeface="Lato"/>
+                <a:cs typeface="Lato"/>
+                <a:sym typeface="Lato"/>
+              </a:defRPr>
+            </a:pPr>
+            <a:r>
+              <a:t>class: </a:t>
+            </a:r>
+            <a:r>
+              <a:rPr b="0"/>
+              <a:t>p</a:t>
+            </a:r>
+            <a:r>
+              <a:rPr b="0"/>
+              <a:t>re-calculus </a:t>
+            </a:r>
+            <a:r>
+              <a:t>g</a:t>
+            </a:r>
+            <a:r>
+              <a:t>oal: </a:t>
+            </a:r>
+            <a:r>
+              <a:rPr b="0"/>
+              <a:t>HDW</a:t>
+            </a:r>
+            <a:r>
+              <a:t> </a:t>
+            </a:r>
+            <a:r>
+              <a:rPr b="0"/>
+              <a:t>use the </a:t>
+            </a:r>
+            <a:r>
+              <a:rPr b="0" i="1"/>
+              <a:t>leading coefficient test </a:t>
+            </a:r>
+            <a:r>
+              <a:rPr b="0"/>
+              <a:t>to describe the end behavior of polynomials?</a:t>
+            </a:r>
+          </a:p>
+        </p:txBody>
+      </p:sp>
+      <p:sp>
+        <p:nvSpPr>
+          <p:cNvPr id="161" name="Google Shape;31;p4"/>
+          <p:cNvSpPr txBox="1"/>
+          <p:nvPr/>
+        </p:nvSpPr>
+        <p:spPr>
+          <a:xfrm>
+            <a:off x="7263947" y="6563"/>
+            <a:ext cx="5621102" cy="398748"/>
+          </a:xfrm>
+          <a:prstGeom prst="rect">
+            <a:avLst/>
+          </a:prstGeom>
+          <a:ln w="12700">
+            <a:miter lim="400000"/>
+          </a:ln>
+          <a:extLst>
+            <a:ext uri="{C572A759-6A51-4108-AA02-DFA0A04FC94B}">
+              <ma14:wrappingTextBoxFlag xmlns:ma14="http://schemas.microsoft.com/office/mac/drawingml/2011/main" val="1"/>
+            </a:ext>
+          </a:extLst>
+        </p:spPr>
+        <p:txBody>
+          <a:bodyPr lIns="91423" tIns="91423" rIns="91423" bIns="91423">
+            <a:spAutoFit/>
+          </a:bodyPr>
+          <a:lstStyle>
+            <a:lvl1pPr>
+              <a:defRPr>
+                <a:solidFill>
+                  <a:srgbClr val="000000"/>
+                </a:solidFill>
+                <a:latin typeface="Lato"/>
+                <a:ea typeface="Lato"/>
+                <a:cs typeface="Lato"/>
+                <a:sym typeface="Lato"/>
+              </a:defRPr>
+            </a:lvl1pPr>
+          </a:lstStyle>
+          <a:p>
+            <a:pPr/>
+            <a:r>
+              <a:t>Dr. O’Brien, 10/28/21</a:t>
+            </a:r>
+          </a:p>
+        </p:txBody>
+      </p:sp>
+      <p:sp>
+        <p:nvSpPr>
+          <p:cNvPr id="162" name="Slide Number"/>
+          <p:cNvSpPr txBox="1"/>
+          <p:nvPr>
+            <p:ph type="sldNum" sz="quarter" idx="2"/>
+          </p:nvPr>
+        </p:nvSpPr>
+        <p:spPr>
+          <a:prstGeom prst="rect">
+            <a:avLst/>
+          </a:prstGeom>
+        </p:spPr>
+        <p:txBody>
+          <a:bodyPr/>
+          <a:lstStyle/>
+          <a:p>
+            <a:pPr/>
+            <a:fld id="{86CB4B4D-7CA3-9044-876B-883B54F8677D}" type="slidenum"/>
+          </a:p>
+        </p:txBody>
+      </p:sp>
+    </p:spTree>
+  </p:cSld>
+  <p:clrMapOvr>
+    <a:masterClrMapping/>
+  </p:clrMapOvr>
+  <p:transition xmlns:p14="http://schemas.microsoft.com/office/powerpoint/2010/main" spd="med" advClick="1"/>
+</p:sldLayout>
+</file>
+
 <file path=ppt/slideLayouts/slideLayout2.xml><?xml version="1.0" encoding="utf-8"?>
 <p:sldLayout xmlns:a="http://schemas.openxmlformats.org/drawingml/2006/main" xmlns:r="http://schemas.openxmlformats.org/officeDocument/2006/relationships" xmlns:p="http://schemas.openxmlformats.org/presentationml/2006/main" xmlns:m="http://schemas.openxmlformats.org/officeDocument/2006/math" xmlns:a14="http://schemas.microsoft.com/office/drawing/2010/main" type="tx" showMasterSp="0" showMasterPhAnim="1">
   <p:cSld name="SECTION_HEADER">
@@ -3991,6 +4448,7 @@
     <p:sldLayoutId id="2147483658" r:id="rId12"/>
     <p:sldLayoutId id="2147483659" r:id="rId13"/>
     <p:sldLayoutId id="2147483660" r:id="rId14"/>
+    <p:sldLayoutId id="2147483661" r:id="rId15"/>
   </p:sldLayoutIdLst>
   <p:transition xmlns:p14="http://schemas.microsoft.com/office/powerpoint/2010/main" spd="med" advClick="1"/>
   <p:txStyles>
@@ -4743,7 +5201,7 @@
       </p:grpSpPr>
       <p:sp>
         <p:nvSpPr>
-          <p:cNvPr id="156" name="Google Shape;76;p13"/>
+          <p:cNvPr id="171" name="Google Shape;76;p13"/>
           <p:cNvSpPr txBox="1"/>
           <p:nvPr>
             <p:ph type="ctrTitle"/>
@@ -4789,7 +5247,7 @@
       </p:sp>
       <p:sp>
         <p:nvSpPr>
-          <p:cNvPr id="157" name="Google Shape;77;p13"/>
+          <p:cNvPr id="172" name="Google Shape;77;p13"/>
           <p:cNvSpPr txBox="1"/>
           <p:nvPr>
             <p:ph type="subTitle" sz="quarter" idx="1"/>
@@ -4847,7 +5305,7 @@
 </p:sld>
 </file>
 
-<file path=ppt/slides/slide2.xml><?xml version="1.0" encoding="utf-8"?>
+<file path=ppt/slides/slide10.xml><?xml version="1.0" encoding="utf-8"?>
 <p:sld xmlns:a="http://schemas.openxmlformats.org/drawingml/2006/main" xmlns:r="http://schemas.openxmlformats.org/officeDocument/2006/relationships" xmlns:p="http://schemas.openxmlformats.org/presentationml/2006/main" xmlns:m="http://schemas.openxmlformats.org/officeDocument/2006/math" xmlns:a14="http://schemas.microsoft.com/office/drawing/2010/main" showMasterSp="1" showMasterPhAnim="1">
   <p:cSld>
     <p:spTree>
@@ -4866,218 +5324,7 @@
       </p:grpSpPr>
       <p:sp>
         <p:nvSpPr>
-          <p:cNvPr id="161" name="Google Shape;118;p19"/>
-          <p:cNvSpPr txBox="1"/>
-          <p:nvPr>
-            <p:ph type="title"/>
-          </p:nvPr>
-        </p:nvSpPr>
-        <p:spPr>
-          <a:xfrm>
-            <a:off x="1424036" y="575950"/>
-            <a:ext cx="7302727" cy="939690"/>
-          </a:xfrm>
-          <a:prstGeom prst="rect">
-            <a:avLst/>
-          </a:prstGeom>
-          <a:solidFill>
-            <a:srgbClr val="FFFFFF"/>
-          </a:solidFill>
-          <a:ln w="25400">
-            <a:solidFill>
-              <a:schemeClr val="accent1"/>
-            </a:solidFill>
-            <a:round/>
-          </a:ln>
-        </p:spPr>
-        <p:txBody>
-          <a:bodyPr/>
-          <a:lstStyle/>
-          <a:p>
-            <a:pPr defTabSz="813816">
-              <a:defRPr b="0" sz="2136">
-                <a:solidFill>
-                  <a:srgbClr val="F46524"/>
-                </a:solidFill>
-                <a:latin typeface="+mn-lt"/>
-                <a:ea typeface="+mn-ea"/>
-                <a:cs typeface="+mn-cs"/>
-                <a:sym typeface="Arial"/>
-              </a:defRPr>
-            </a:pPr>
-            <a:r>
-              <a:t>do now</a:t>
-            </a:r>
-          </a:p>
-          <a:p>
-            <a:pPr defTabSz="813816">
-              <a:defRPr b="0" sz="1246">
-                <a:solidFill>
-                  <a:schemeClr val="accent3">
-                    <a:lumOff val="-9098"/>
-                  </a:schemeClr>
-                </a:solidFill>
-                <a:latin typeface="+mj-lt"/>
-                <a:ea typeface="+mj-ea"/>
-                <a:cs typeface="+mj-cs"/>
-                <a:sym typeface="Helvetica"/>
-              </a:defRPr>
-            </a:pPr>
-            <a:r>
-              <a:rPr>
-                <a:solidFill>
-                  <a:schemeClr val="accent5"/>
-                </a:solidFill>
-              </a:rPr>
-              <a:t>be sure to:</a:t>
-            </a:r>
-            <a:r>
-              <a:rPr>
-                <a:solidFill>
-                  <a:schemeClr val="accent5">
-                    <a:lumOff val="-9843"/>
-                  </a:schemeClr>
-                </a:solidFill>
-              </a:rPr>
-              <a:t> </a:t>
-            </a:r>
-            <a:r>
-              <a:t>Get out your </a:t>
-            </a:r>
-            <a:r>
-              <a:rPr b="1"/>
-              <a:t>binder</a:t>
-            </a:r>
-            <a:r>
-              <a:t>. Copy </a:t>
-            </a:r>
-            <a:r>
-              <a:rPr b="1"/>
-              <a:t>goal </a:t>
-            </a:r>
-            <a:r>
-              <a:t>and answer </a:t>
-            </a:r>
-            <a:r>
-              <a:rPr b="1"/>
-              <a:t>do now</a:t>
-            </a:r>
-            <a:r>
-              <a:t> </a:t>
-            </a:r>
-            <a:r>
-              <a:t>questions below. Show all work or write a complete sentence for each answer:</a:t>
-            </a:r>
-          </a:p>
-        </p:txBody>
-      </p:sp>
-      <p:sp>
-        <p:nvSpPr>
-          <p:cNvPr id="162" name="What similarities do you notice between these graphs? Describe 2.…"/>
-          <p:cNvSpPr txBox="1"/>
-          <p:nvPr/>
-        </p:nvSpPr>
-        <p:spPr>
-          <a:xfrm>
-            <a:off x="634531" y="1686278"/>
-            <a:ext cx="3278433" cy="1511301"/>
-          </a:xfrm>
-          <a:prstGeom prst="rect">
-            <a:avLst/>
-          </a:prstGeom>
-          <a:ln w="12700">
-            <a:miter lim="400000"/>
-          </a:ln>
-          <a:extLst>
-            <a:ext uri="{C572A759-6A51-4108-AA02-DFA0A04FC94B}">
-              <ma14:wrappingTextBoxFlag xmlns:ma14="http://schemas.microsoft.com/office/mac/drawingml/2011/main" val="1"/>
-            </a:ext>
-          </a:extLst>
-        </p:spPr>
-        <p:txBody>
-          <a:bodyPr lIns="0" tIns="0" rIns="0" bIns="0">
-            <a:spAutoFit/>
-          </a:bodyPr>
-          <a:lstStyle/>
-          <a:p>
-            <a:pPr lvl="1" marL="695157" indent="-187157">
-              <a:buSzPct val="100000"/>
-              <a:buAutoNum type="alphaLcPeriod" startAt="1"/>
-            </a:pPr>
-            <a:r>
-              <a:t>What similarities do you notice between these graphs? Describe 2.</a:t>
-            </a:r>
-          </a:p>
-          <a:p>
-            <a:pPr lvl="1" marL="695157" indent="-187157">
-              <a:buSzPct val="100000"/>
-              <a:buAutoNum type="alphaLcPeriod" startAt="1"/>
-            </a:pPr>
-            <a:r>
-              <a:t>What differences do you notice between these graphs? Describe 3.</a:t>
-            </a:r>
-          </a:p>
-        </p:txBody>
-      </p:sp>
-      <p:pic>
-        <p:nvPicPr>
-          <p:cNvPr id="163" name="IMG_0061.png" descr="IMG_0061.png"/>
-          <p:cNvPicPr>
-            <a:picLocks noChangeAspect="1"/>
-          </p:cNvPicPr>
-          <p:nvPr/>
-        </p:nvPicPr>
-        <p:blipFill>
-          <a:blip r:embed="rId3">
-            <a:extLst/>
-          </a:blip>
-          <a:srcRect l="23701" t="12534" r="27102" b="52937"/>
-          <a:stretch>
-            <a:fillRect/>
-          </a:stretch>
-        </p:blipFill>
-        <p:spPr>
-          <a:xfrm>
-            <a:off x="4305551" y="1650495"/>
-            <a:ext cx="4088449" cy="2152103"/>
-          </a:xfrm>
-          <a:prstGeom prst="rect">
-            <a:avLst/>
-          </a:prstGeom>
-          <a:ln w="12700">
-            <a:miter lim="400000"/>
-          </a:ln>
-        </p:spPr>
-      </p:pic>
-    </p:spTree>
-  </p:cSld>
-  <p:clrMapOvr>
-    <a:masterClrMapping/>
-  </p:clrMapOvr>
-  <p:transition xmlns:p14="http://schemas.microsoft.com/office/powerpoint/2010/main" spd="med" advClick="1"/>
-</p:sld>
-</file>
-
-<file path=ppt/slides/slide3.xml><?xml version="1.0" encoding="utf-8"?>
-<p:sld xmlns:a="http://schemas.openxmlformats.org/drawingml/2006/main" xmlns:r="http://schemas.openxmlformats.org/officeDocument/2006/relationships" xmlns:p="http://schemas.openxmlformats.org/presentationml/2006/main" xmlns:m="http://schemas.openxmlformats.org/officeDocument/2006/math" xmlns:a14="http://schemas.microsoft.com/office/drawing/2010/main" showMasterSp="1" showMasterPhAnim="1">
-  <p:cSld>
-    <p:spTree>
-      <p:nvGrpSpPr>
-        <p:cNvPr id="1" name=""/>
-        <p:cNvGrpSpPr/>
-        <p:nvPr/>
-      </p:nvGrpSpPr>
-      <p:grpSpPr>
-        <a:xfrm>
-          <a:off x="0" y="0"/>
-          <a:ext cx="0" cy="0"/>
-          <a:chOff x="0" y="0"/>
-          <a:chExt cx="0" cy="0"/>
-        </a:xfrm>
-      </p:grpSpPr>
-      <p:sp>
-        <p:nvSpPr>
-          <p:cNvPr id="167" name="framing"/>
+          <p:cNvPr id="222" name="d"/>
           <p:cNvSpPr txBox="1"/>
           <p:nvPr>
             <p:ph type="title"/>
@@ -5098,1655 +5345,6 @@
           <a:p>
             <a:pPr/>
             <a:r>
-              <a:t>framing</a:t>
-            </a:r>
-          </a:p>
-        </p:txBody>
-      </p:sp>
-      <p:pic>
-        <p:nvPicPr>
-          <p:cNvPr id="168" name="Image" descr="Image"/>
-          <p:cNvPicPr>
-            <a:picLocks noChangeAspect="1"/>
-          </p:cNvPicPr>
-          <p:nvPr/>
-        </p:nvPicPr>
-        <p:blipFill>
-          <a:blip r:embed="rId2">
-            <a:extLst/>
-          </a:blip>
-          <a:stretch>
-            <a:fillRect/>
-          </a:stretch>
-        </p:blipFill>
-        <p:spPr>
-          <a:xfrm>
-            <a:off x="251394" y="1554284"/>
-            <a:ext cx="3352801" cy="2425701"/>
-          </a:xfrm>
-          <a:prstGeom prst="rect">
-            <a:avLst/>
-          </a:prstGeom>
-          <a:ln w="12700">
-            <a:miter lim="400000"/>
-          </a:ln>
-        </p:spPr>
-      </p:pic>
-      <p:sp>
-        <p:nvSpPr>
-          <p:cNvPr id="169" name="what: find the roots and relative extrema of polynomials…"/>
-          <p:cNvSpPr txBox="1"/>
-          <p:nvPr/>
-        </p:nvSpPr>
-        <p:spPr>
-          <a:xfrm>
-            <a:off x="3682386" y="1584122"/>
-            <a:ext cx="4838766" cy="3002402"/>
-          </a:xfrm>
-          <a:prstGeom prst="rect">
-            <a:avLst/>
-          </a:prstGeom>
-          <a:ln w="12700">
-            <a:miter lim="400000"/>
-          </a:ln>
-          <a:extLst>
-            <a:ext uri="{C572A759-6A51-4108-AA02-DFA0A04FC94B}">
-              <ma14:wrappingTextBoxFlag xmlns:ma14="http://schemas.microsoft.com/office/mac/drawingml/2011/main" val="1"/>
-            </a:ext>
-          </a:extLst>
-        </p:spPr>
-        <p:txBody>
-          <a:bodyPr lIns="91423" tIns="91423" rIns="91423" bIns="91423">
-            <a:normAutofit fontScale="100000" lnSpcReduction="0"/>
-          </a:bodyPr>
-          <a:lstStyle/>
-          <a:p>
-            <a:pPr marL="457200" indent="-342900">
-              <a:lnSpc>
-                <a:spcPct val="115000"/>
-              </a:lnSpc>
-              <a:buClr>
-                <a:srgbClr val="000000"/>
-              </a:buClr>
-              <a:buSzPts val="1800"/>
-              <a:buFont typeface="Helvetica"/>
-              <a:buChar char="●"/>
-              <a:defRPr b="1" sz="1800">
-                <a:solidFill>
-                  <a:srgbClr val="000000"/>
-                </a:solidFill>
-                <a:latin typeface="Lato"/>
-                <a:ea typeface="Lato"/>
-                <a:cs typeface="Lato"/>
-                <a:sym typeface="Lato"/>
-              </a:defRPr>
-            </a:pPr>
-            <a:r>
-              <a:t>what: </a:t>
-            </a:r>
-            <a:r>
-              <a:rPr b="0"/>
-              <a:t>find the roots and relative extrema of polynomials</a:t>
-            </a:r>
-            <a:endParaRPr b="0"/>
-          </a:p>
-          <a:p>
-            <a:pPr marL="457200" indent="-342900">
-              <a:lnSpc>
-                <a:spcPct val="115000"/>
-              </a:lnSpc>
-              <a:buClr>
-                <a:srgbClr val="000000"/>
-              </a:buClr>
-              <a:buSzPts val="1800"/>
-              <a:buFont typeface="Helvetica"/>
-              <a:buChar char="●"/>
-              <a:defRPr b="1" sz="1800">
-                <a:solidFill>
-                  <a:srgbClr val="000000"/>
-                </a:solidFill>
-                <a:latin typeface="Lato"/>
-                <a:ea typeface="Lato"/>
-                <a:cs typeface="Lato"/>
-                <a:sym typeface="Lato"/>
-              </a:defRPr>
-            </a:pPr>
-            <a:r>
-              <a:t>why: </a:t>
-            </a:r>
-            <a:r>
-              <a:rPr b="0"/>
-              <a:t>higher order polynomial equations can be used to model things in science, engineering, and more!</a:t>
-            </a:r>
-            <a:endParaRPr b="0"/>
-          </a:p>
-          <a:p>
-            <a:pPr marL="457200" indent="-342900">
-              <a:lnSpc>
-                <a:spcPct val="115000"/>
-              </a:lnSpc>
-              <a:buClr>
-                <a:srgbClr val="000000"/>
-              </a:buClr>
-              <a:buSzPts val="1800"/>
-              <a:buFont typeface="Helvetica"/>
-              <a:buChar char="●"/>
-              <a:defRPr b="1" sz="1800">
-                <a:solidFill>
-                  <a:srgbClr val="000000"/>
-                </a:solidFill>
-                <a:latin typeface="Lato"/>
-                <a:ea typeface="Lato"/>
-                <a:cs typeface="Lato"/>
-                <a:sym typeface="Lato"/>
-              </a:defRPr>
-            </a:pPr>
-            <a:r>
-              <a:t>where to: </a:t>
-            </a:r>
-            <a:r>
-              <a:rPr b="0"/>
-              <a:t>sketching</a:t>
-            </a:r>
-            <a:r>
-              <a:t> </a:t>
-            </a:r>
-            <a:r>
-              <a:rPr b="0"/>
-              <a:t>more accurate graphs of higher order polynomials</a:t>
-            </a:r>
-          </a:p>
-        </p:txBody>
-      </p:sp>
-    </p:spTree>
-  </p:cSld>
-  <p:clrMapOvr>
-    <a:masterClrMapping/>
-  </p:clrMapOvr>
-  <p:transition xmlns:p14="http://schemas.microsoft.com/office/powerpoint/2010/main" spd="med" advClick="1"/>
-  <p:timing>
-    <p:tnLst>
-      <p:par>
-        <p:cTn id="1" nodeType="tmRoot" restart="never" dur="indefinite" fill="hold">
-          <p:childTnLst>
-            <p:seq concurrent="1" prevAc="none" nextAc="seek">
-              <p:cTn id="2" nodeType="mainSeq" dur="indefinite" fill="hold">
-                <p:childTnLst>
-                  <p:par>
-                    <p:cTn id="3" fill="hold">
-                      <p:stCondLst>
-                        <p:cond delay="indefinite"/>
-                      </p:stCondLst>
-                      <p:childTnLst>
-                        <p:par>
-                          <p:cTn id="4" fill="hold">
-                            <p:stCondLst>
-                              <p:cond delay="0"/>
-                            </p:stCondLst>
-                            <p:childTnLst>
-                              <p:par>
-                                <p:cTn id="5" presetClass="entr" nodeType="clickEffect" presetSubtype="0" presetID="1" grpId="1" fill="hold">
-                                  <p:stCondLst>
-                                    <p:cond delay="0"/>
-                                  </p:stCondLst>
-                                  <p:iterate type="el" backwards="0">
-                                    <p:tmAbs val="0"/>
-                                  </p:iterate>
-                                  <p:childTnLst>
-                                    <p:set>
-                                      <p:cBhvr>
-                                        <p:cTn id="6" fill="hold"/>
-                                        <p:tgtEl>
-                                          <p:spTgt spid="169">
-                                            <p:bg/>
-                                          </p:spTgt>
-                                        </p:tgtEl>
-                                        <p:attrNameLst>
-                                          <p:attrName>style.visibility</p:attrName>
-                                        </p:attrNameLst>
-                                      </p:cBhvr>
-                                      <p:to>
-                                        <p:strVal val="visible"/>
-                                      </p:to>
-                                    </p:set>
-                                  </p:childTnLst>
-                                </p:cTn>
-                              </p:par>
-                              <p:par>
-                                <p:cTn id="7" presetClass="entr" nodeType="withEffect" presetSubtype="0" presetID="1" grpId="1" fill="hold">
-                                  <p:stCondLst>
-                                    <p:cond delay="0"/>
-                                  </p:stCondLst>
-                                  <p:iterate type="el" backwards="0">
-                                    <p:tmAbs val="0"/>
-                                  </p:iterate>
-                                  <p:childTnLst>
-                                    <p:set>
-                                      <p:cBhvr>
-                                        <p:cTn id="8" fill="hold"/>
-                                        <p:tgtEl>
-                                          <p:spTgt spid="169">
-                                            <p:txEl>
-                                              <p:pRg st="0" end="0"/>
-                                            </p:txEl>
-                                          </p:spTgt>
-                                        </p:tgtEl>
-                                        <p:attrNameLst>
-                                          <p:attrName>style.visibility</p:attrName>
-                                        </p:attrNameLst>
-                                      </p:cBhvr>
-                                      <p:to>
-                                        <p:strVal val="visible"/>
-                                      </p:to>
-                                    </p:set>
-                                  </p:childTnLst>
-                                </p:cTn>
-                              </p:par>
-                            </p:childTnLst>
-                          </p:cTn>
-                        </p:par>
-                      </p:childTnLst>
-                    </p:cTn>
-                  </p:par>
-                  <p:par>
-                    <p:cTn id="9" fill="hold">
-                      <p:stCondLst>
-                        <p:cond delay="indefinite"/>
-                      </p:stCondLst>
-                      <p:childTnLst>
-                        <p:par>
-                          <p:cTn id="10" fill="hold">
-                            <p:stCondLst>
-                              <p:cond delay="0"/>
-                            </p:stCondLst>
-                            <p:childTnLst>
-                              <p:par>
-                                <p:cTn id="11" presetClass="entr" nodeType="clickEffect" presetSubtype="0" presetID="1" grpId="1" fill="hold">
-                                  <p:stCondLst>
-                                    <p:cond delay="0"/>
-                                  </p:stCondLst>
-                                  <p:iterate type="el" backwards="0">
-                                    <p:tmAbs val="0"/>
-                                  </p:iterate>
-                                  <p:childTnLst>
-                                    <p:set>
-                                      <p:cBhvr>
-                                        <p:cTn id="12" fill="hold"/>
-                                        <p:tgtEl>
-                                          <p:spTgt spid="169">
-                                            <p:txEl>
-                                              <p:pRg st="1" end="1"/>
-                                            </p:txEl>
-                                          </p:spTgt>
-                                        </p:tgtEl>
-                                        <p:attrNameLst>
-                                          <p:attrName>style.visibility</p:attrName>
-                                        </p:attrNameLst>
-                                      </p:cBhvr>
-                                      <p:to>
-                                        <p:strVal val="visible"/>
-                                      </p:to>
-                                    </p:set>
-                                  </p:childTnLst>
-                                </p:cTn>
-                              </p:par>
-                            </p:childTnLst>
-                          </p:cTn>
-                        </p:par>
-                      </p:childTnLst>
-                    </p:cTn>
-                  </p:par>
-                  <p:par>
-                    <p:cTn id="13" fill="hold">
-                      <p:stCondLst>
-                        <p:cond delay="indefinite"/>
-                      </p:stCondLst>
-                      <p:childTnLst>
-                        <p:par>
-                          <p:cTn id="14" fill="hold">
-                            <p:stCondLst>
-                              <p:cond delay="0"/>
-                            </p:stCondLst>
-                            <p:childTnLst>
-                              <p:par>
-                                <p:cTn id="15" presetClass="entr" nodeType="clickEffect" presetSubtype="0" presetID="1" grpId="1" fill="hold">
-                                  <p:stCondLst>
-                                    <p:cond delay="0"/>
-                                  </p:stCondLst>
-                                  <p:iterate type="el" backwards="0">
-                                    <p:tmAbs val="0"/>
-                                  </p:iterate>
-                                  <p:childTnLst>
-                                    <p:set>
-                                      <p:cBhvr>
-                                        <p:cTn id="16" fill="hold"/>
-                                        <p:tgtEl>
-                                          <p:spTgt spid="169">
-                                            <p:txEl>
-                                              <p:pRg st="2" end="2"/>
-                                            </p:txEl>
-                                          </p:spTgt>
-                                        </p:tgtEl>
-                                        <p:attrNameLst>
-                                          <p:attrName>style.visibility</p:attrName>
-                                        </p:attrNameLst>
-                                      </p:cBhvr>
-                                      <p:to>
-                                        <p:strVal val="visible"/>
-                                      </p:to>
-                                    </p:set>
-                                  </p:childTnLst>
-                                </p:cTn>
-                              </p:par>
-                            </p:childTnLst>
-                          </p:cTn>
-                        </p:par>
-                      </p:childTnLst>
-                    </p:cTn>
-                  </p:par>
-                </p:childTnLst>
-              </p:cTn>
-              <p:prevCondLst>
-                <p:cond evt="onPrev">
-                  <p:tgtEl>
-                    <p:sldTgt/>
-                  </p:tgtEl>
-                </p:cond>
-              </p:prevCondLst>
-              <p:nextCondLst>
-                <p:cond evt="onNext">
-                  <p:tgtEl>
-                    <p:sldTgt/>
-                  </p:tgtEl>
-                </p:cond>
-              </p:nextCondLst>
-            </p:seq>
-          </p:childTnLst>
-        </p:cTn>
-      </p:par>
-    </p:tnLst>
-    <p:bldLst>
-      <p:bldP build="p" bldLvl="5" animBg="1" rev="0" advAuto="0" spid="169" grpId="1"/>
-    </p:bldLst>
-  </p:timing>
-</p:sld>
-</file>
-
-<file path=ppt/slides/slide4.xml><?xml version="1.0" encoding="utf-8"?>
-<p:sld xmlns:a="http://schemas.openxmlformats.org/drawingml/2006/main" xmlns:r="http://schemas.openxmlformats.org/officeDocument/2006/relationships" xmlns:p="http://schemas.openxmlformats.org/presentationml/2006/main" xmlns:m="http://schemas.openxmlformats.org/officeDocument/2006/math" xmlns:a14="http://schemas.microsoft.com/office/drawing/2010/main" showMasterSp="1" showMasterPhAnim="1">
-  <p:cSld>
-    <p:spTree>
-      <p:nvGrpSpPr>
-        <p:cNvPr id="1" name=""/>
-        <p:cNvGrpSpPr/>
-        <p:nvPr/>
-      </p:nvGrpSpPr>
-      <p:grpSpPr>
-        <a:xfrm>
-          <a:off x="0" y="0"/>
-          <a:ext cx="0" cy="0"/>
-          <a:chOff x="0" y="0"/>
-          <a:chExt cx="0" cy="0"/>
-        </a:xfrm>
-      </p:grpSpPr>
-      <p:sp>
-        <p:nvSpPr>
-          <p:cNvPr id="171" name="For any polynomial f with a highest exponent n:…"/>
-          <p:cNvSpPr txBox="1"/>
-          <p:nvPr/>
-        </p:nvSpPr>
-        <p:spPr>
-          <a:xfrm>
-            <a:off x="124062" y="1292394"/>
-            <a:ext cx="3080118" cy="1511301"/>
-          </a:xfrm>
-          <a:prstGeom prst="rect">
-            <a:avLst/>
-          </a:prstGeom>
-          <a:ln w="12700">
-            <a:miter lim="400000"/>
-          </a:ln>
-          <a:extLst>
-            <a:ext uri="{C572A759-6A51-4108-AA02-DFA0A04FC94B}">
-              <ma14:wrappingTextBoxFlag xmlns:ma14="http://schemas.microsoft.com/office/mac/drawingml/2011/main" val="1"/>
-            </a:ext>
-          </a:extLst>
-        </p:spPr>
-        <p:txBody>
-          <a:bodyPr lIns="0" tIns="0" rIns="0" bIns="0">
-            <a:spAutoFit/>
-          </a:bodyPr>
-          <a:lstStyle/>
-          <a:p>
-            <a:pPr/>
-            <a:r>
-              <a:t>For any polynomial </a:t>
-            </a:r>
-            <a:r>
-              <a:rPr i="1"/>
-              <a:t>f </a:t>
-            </a:r>
-            <a:r>
-              <a:t>with a highest exponent </a:t>
-            </a:r>
-            <a:r>
-              <a:rPr i="1"/>
-              <a:t>n</a:t>
-            </a:r>
-            <a:r>
-              <a:t>:</a:t>
-            </a:r>
-          </a:p>
-          <a:p>
-            <a:pPr/>
-          </a:p>
-          <a:p>
-            <a:pPr marL="187157" indent="-187157">
-              <a:buSzPct val="100000"/>
-              <a:buAutoNum type="arabicPeriod" startAt="1"/>
-              <a:defRPr i="1"/>
-            </a:pPr>
-            <a:r>
-              <a:t>f </a:t>
-            </a:r>
-            <a:r>
-              <a:rPr i="0"/>
-              <a:t>has </a:t>
-            </a:r>
-            <a:r>
-              <a:rPr i="0" u="sng"/>
-              <a:t>at most</a:t>
-            </a:r>
-            <a:r>
-              <a:rPr i="0"/>
-              <a:t> </a:t>
-            </a:r>
-            <a:r>
-              <a:t>n </a:t>
-            </a:r>
-            <a:r>
-              <a:rPr i="0"/>
-              <a:t>real roots.</a:t>
-            </a:r>
-            <a:endParaRPr i="0"/>
-          </a:p>
-          <a:p>
-            <a:pPr marL="187157" indent="-187157">
-              <a:buSzPct val="100000"/>
-              <a:buAutoNum type="arabicPeriod" startAt="1"/>
-              <a:defRPr i="1"/>
-            </a:pPr>
-            <a:r>
-              <a:rPr i="0"/>
-              <a:t>The graph for </a:t>
-            </a:r>
-            <a:r>
-              <a:t>f</a:t>
-            </a:r>
-            <a:r>
-              <a:rPr i="0"/>
-              <a:t> has </a:t>
-            </a:r>
-            <a:r>
-              <a:rPr i="0" u="sng"/>
-              <a:t>at most</a:t>
-            </a:r>
-            <a:r>
-              <a:rPr i="0"/>
-              <a:t> </a:t>
-            </a:r>
-            <a:r>
-              <a:t>n-1</a:t>
-            </a:r>
-            <a:r>
-              <a:rPr i="0"/>
-              <a:t> relative extrema (relative minima or maxima)</a:t>
-            </a:r>
-          </a:p>
-        </p:txBody>
-      </p:sp>
-      <p:sp>
-        <p:nvSpPr>
-          <p:cNvPr id="172" name="Vocab:…"/>
-          <p:cNvSpPr txBox="1"/>
-          <p:nvPr/>
-        </p:nvSpPr>
-        <p:spPr>
-          <a:xfrm>
-            <a:off x="71013" y="2854388"/>
-            <a:ext cx="2866082" cy="656773"/>
-          </a:xfrm>
-          <a:prstGeom prst="rect">
-            <a:avLst/>
-          </a:prstGeom>
-          <a:ln w="12700">
-            <a:miter lim="400000"/>
-          </a:ln>
-          <a:extLst>
-            <a:ext uri="{C572A759-6A51-4108-AA02-DFA0A04FC94B}">
-              <ma14:wrappingTextBoxFlag xmlns:ma14="http://schemas.microsoft.com/office/mac/drawingml/2011/main" val="1"/>
-            </a:ext>
-          </a:extLst>
-        </p:spPr>
-        <p:txBody>
-          <a:bodyPr lIns="0" tIns="0" rIns="0" bIns="0">
-            <a:spAutoFit/>
-          </a:bodyPr>
-          <a:lstStyle/>
-          <a:p>
-            <a:pPr>
-              <a:defRPr>
-                <a:solidFill>
-                  <a:srgbClr val="012F7B"/>
-                </a:solidFill>
-              </a:defRPr>
-            </a:pPr>
-            <a:r>
-              <a:t>Vocab:</a:t>
-            </a:r>
-          </a:p>
-          <a:p>
-            <a:pPr>
-              <a:defRPr b="1">
-                <a:solidFill>
-                  <a:srgbClr val="38571A"/>
-                </a:solidFill>
-              </a:defRPr>
-            </a:pPr>
-            <a:r>
-              <a:t>Root of a polynomial: </a:t>
-            </a:r>
-            <a:r>
-              <a:rPr b="0"/>
-              <a:t>any value of </a:t>
-            </a:r>
-            <a:r>
-              <a:rPr b="0" i="1"/>
-              <a:t>x</a:t>
-            </a:r>
-            <a:r>
-              <a:rPr b="0"/>
-              <a:t> where </a:t>
-            </a:r>
-            <a14:m>
-              <m:oMath>
-                <m:r>
-                  <a:rPr xmlns:a="http://schemas.openxmlformats.org/drawingml/2006/main" sz="1600" i="1">
-                    <a:solidFill>
-                      <a:srgbClr val="38571A"/>
-                    </a:solidFill>
-                    <a:latin typeface="Cambria Math" panose="02040503050406030204" pitchFamily="18" charset="0"/>
-                  </a:rPr>
-                  <m:t>f</m:t>
-                </m:r>
-                <m:r>
-                  <a:rPr xmlns:a="http://schemas.openxmlformats.org/drawingml/2006/main" sz="1600" i="1">
-                    <a:solidFill>
-                      <a:srgbClr val="38571A"/>
-                    </a:solidFill>
-                    <a:latin typeface="Cambria Math" panose="02040503050406030204" pitchFamily="18" charset="0"/>
-                  </a:rPr>
-                  <m:t>(</m:t>
-                </m:r>
-                <m:r>
-                  <a:rPr xmlns:a="http://schemas.openxmlformats.org/drawingml/2006/main" sz="1600" i="1">
-                    <a:solidFill>
-                      <a:srgbClr val="38571A"/>
-                    </a:solidFill>
-                    <a:latin typeface="Cambria Math" panose="02040503050406030204" pitchFamily="18" charset="0"/>
-                  </a:rPr>
-                  <m:t>x</m:t>
-                </m:r>
-                <m:r>
-                  <a:rPr xmlns:a="http://schemas.openxmlformats.org/drawingml/2006/main" sz="1600" i="1">
-                    <a:solidFill>
-                      <a:srgbClr val="38571A"/>
-                    </a:solidFill>
-                    <a:latin typeface="Cambria Math" panose="02040503050406030204" pitchFamily="18" charset="0"/>
-                  </a:rPr>
-                  <m:t>)</m:t>
-                </m:r>
-                <m:r>
-                  <a:rPr xmlns:a="http://schemas.openxmlformats.org/drawingml/2006/main" sz="1600" i="1">
-                    <a:solidFill>
-                      <a:srgbClr val="38571A"/>
-                    </a:solidFill>
-                    <a:latin typeface="Cambria Math" panose="02040503050406030204" pitchFamily="18" charset="0"/>
-                  </a:rPr>
-                  <m:t>=</m:t>
-                </m:r>
-                <m:r>
-                  <a:rPr xmlns:a="http://schemas.openxmlformats.org/drawingml/2006/main" sz="1600" i="1">
-                    <a:solidFill>
-                      <a:srgbClr val="38571A"/>
-                    </a:solidFill>
-                    <a:latin typeface="Cambria Math" panose="02040503050406030204" pitchFamily="18" charset="0"/>
-                  </a:rPr>
-                  <m:t>0</m:t>
-                </m:r>
-              </m:oMath>
-            </a14:m>
-            <a:r>
-              <a:rPr b="0"/>
-              <a:t>.</a:t>
-            </a:r>
-          </a:p>
-        </p:txBody>
-      </p:sp>
-      <p:sp>
-        <p:nvSpPr>
-          <p:cNvPr id="173" name="Let’s find the roots for"/>
-          <p:cNvSpPr txBox="1"/>
-          <p:nvPr/>
-        </p:nvSpPr>
-        <p:spPr>
-          <a:xfrm>
-            <a:off x="3439121" y="638245"/>
-            <a:ext cx="3427013" cy="450511"/>
-          </a:xfrm>
-          <a:prstGeom prst="rect">
-            <a:avLst/>
-          </a:prstGeom>
-          <a:ln w="12700">
-            <a:miter lim="400000"/>
-          </a:ln>
-          <a:extLst>
-            <a:ext uri="{C572A759-6A51-4108-AA02-DFA0A04FC94B}">
-              <ma14:wrappingTextBoxFlag xmlns:ma14="http://schemas.microsoft.com/office/mac/drawingml/2011/main" val="1"/>
-            </a:ext>
-          </a:extLst>
-        </p:spPr>
-        <p:txBody>
-          <a:bodyPr lIns="0" tIns="0" rIns="0" bIns="0">
-            <a:spAutoFit/>
-          </a:bodyPr>
-          <a:lstStyle/>
-          <a:p>
-            <a:pPr>
-              <a:defRPr>
-                <a:solidFill>
-                  <a:srgbClr val="012F7B"/>
-                </a:solidFill>
-              </a:defRPr>
-            </a:pPr>
-            <a:r>
-              <a:t>Let’s find the roots for </a:t>
-            </a:r>
-            <a14:m>
-              <m:oMath>
-                <m:r>
-                  <a:rPr xmlns:a="http://schemas.openxmlformats.org/drawingml/2006/main" sz="1650" i="1">
-                    <a:solidFill>
-                      <a:srgbClr val="012F7B"/>
-                    </a:solidFill>
-                    <a:latin typeface="Cambria Math" panose="02040503050406030204" pitchFamily="18" charset="0"/>
-                  </a:rPr>
-                  <m:t>f</m:t>
-                </m:r>
-                <m:r>
-                  <a:rPr xmlns:a="http://schemas.openxmlformats.org/drawingml/2006/main" sz="1650" i="1">
-                    <a:solidFill>
-                      <a:srgbClr val="012F7B"/>
-                    </a:solidFill>
-                    <a:latin typeface="Cambria Math" panose="02040503050406030204" pitchFamily="18" charset="0"/>
-                  </a:rPr>
-                  <m:t>(</m:t>
-                </m:r>
-                <m:r>
-                  <a:rPr xmlns:a="http://schemas.openxmlformats.org/drawingml/2006/main" sz="1650" i="1">
-                    <a:solidFill>
-                      <a:srgbClr val="012F7B"/>
-                    </a:solidFill>
-                    <a:latin typeface="Cambria Math" panose="02040503050406030204" pitchFamily="18" charset="0"/>
-                  </a:rPr>
-                  <m:t>x</m:t>
-                </m:r>
-                <m:r>
-                  <a:rPr xmlns:a="http://schemas.openxmlformats.org/drawingml/2006/main" sz="1650" i="1">
-                    <a:solidFill>
-                      <a:srgbClr val="012F7B"/>
-                    </a:solidFill>
-                    <a:latin typeface="Cambria Math" panose="02040503050406030204" pitchFamily="18" charset="0"/>
-                  </a:rPr>
-                  <m:t>)</m:t>
-                </m:r>
-                <m:r>
-                  <a:rPr xmlns:a="http://schemas.openxmlformats.org/drawingml/2006/main" sz="1650" i="1">
-                    <a:solidFill>
-                      <a:srgbClr val="012F7B"/>
-                    </a:solidFill>
-                    <a:latin typeface="Cambria Math" panose="02040503050406030204" pitchFamily="18" charset="0"/>
-                  </a:rPr>
-                  <m:t>=</m:t>
-                </m:r>
-                <m:sSup>
-                  <m:e>
-                    <m:r>
-                      <a:rPr xmlns:a="http://schemas.openxmlformats.org/drawingml/2006/main" sz="1650" i="1">
-                        <a:solidFill>
-                          <a:srgbClr val="012F7B"/>
-                        </a:solidFill>
-                        <a:latin typeface="Cambria Math" panose="02040503050406030204" pitchFamily="18" charset="0"/>
-                      </a:rPr>
-                      <m:t>x</m:t>
-                    </m:r>
-                  </m:e>
-                  <m:sup>
-                    <m:r>
-                      <a:rPr xmlns:a="http://schemas.openxmlformats.org/drawingml/2006/main" sz="1650" i="1">
-                        <a:solidFill>
-                          <a:srgbClr val="012F7B"/>
-                        </a:solidFill>
-                        <a:latin typeface="Cambria Math" panose="02040503050406030204" pitchFamily="18" charset="0"/>
-                      </a:rPr>
-                      <m:t>3</m:t>
-                    </m:r>
-                  </m:sup>
-                </m:sSup>
-                <m:r>
-                  <a:rPr xmlns:a="http://schemas.openxmlformats.org/drawingml/2006/main" sz="1650" i="1">
-                    <a:solidFill>
-                      <a:srgbClr val="012F7B"/>
-                    </a:solidFill>
-                    <a:latin typeface="Cambria Math" panose="02040503050406030204" pitchFamily="18" charset="0"/>
-                  </a:rPr>
-                  <m:t>-</m:t>
-                </m:r>
-                <m:sSup>
-                  <m:e>
-                    <m:r>
-                      <a:rPr xmlns:a="http://schemas.openxmlformats.org/drawingml/2006/main" sz="1650" i="1">
-                        <a:solidFill>
-                          <a:srgbClr val="012F7B"/>
-                        </a:solidFill>
-                        <a:latin typeface="Cambria Math" panose="02040503050406030204" pitchFamily="18" charset="0"/>
-                      </a:rPr>
-                      <m:t>x</m:t>
-                    </m:r>
-                  </m:e>
-                  <m:sup>
-                    <m:r>
-                      <a:rPr xmlns:a="http://schemas.openxmlformats.org/drawingml/2006/main" sz="1650" i="1">
-                        <a:solidFill>
-                          <a:srgbClr val="012F7B"/>
-                        </a:solidFill>
-                        <a:latin typeface="Cambria Math" panose="02040503050406030204" pitchFamily="18" charset="0"/>
-                      </a:rPr>
-                      <m:t>2</m:t>
-                    </m:r>
-                  </m:sup>
-                </m:sSup>
-                <m:r>
-                  <a:rPr xmlns:a="http://schemas.openxmlformats.org/drawingml/2006/main" sz="1650" i="1">
-                    <a:solidFill>
-                      <a:srgbClr val="012F7B"/>
-                    </a:solidFill>
-                    <a:latin typeface="Cambria Math" panose="02040503050406030204" pitchFamily="18" charset="0"/>
-                  </a:rPr>
-                  <m:t>-</m:t>
-                </m:r>
-                <m:r>
-                  <a:rPr xmlns:a="http://schemas.openxmlformats.org/drawingml/2006/main" sz="1650" i="1">
-                    <a:solidFill>
-                      <a:srgbClr val="012F7B"/>
-                    </a:solidFill>
-                    <a:latin typeface="Cambria Math" panose="02040503050406030204" pitchFamily="18" charset="0"/>
-                  </a:rPr>
-                  <m:t>2</m:t>
-                </m:r>
-                <m:r>
-                  <a:rPr xmlns:a="http://schemas.openxmlformats.org/drawingml/2006/main" sz="1650" i="1">
-                    <a:solidFill>
-                      <a:srgbClr val="012F7B"/>
-                    </a:solidFill>
-                    <a:latin typeface="Cambria Math" panose="02040503050406030204" pitchFamily="18" charset="0"/>
-                  </a:rPr>
-                  <m:t>x</m:t>
-                </m:r>
-              </m:oMath>
-            </a14:m>
-          </a:p>
-        </p:txBody>
-      </p:sp>
-      <p:pic>
-        <p:nvPicPr>
-          <p:cNvPr id="174" name="IMG_0059.png" descr="IMG_0059.png"/>
-          <p:cNvPicPr>
-            <a:picLocks noChangeAspect="1"/>
-          </p:cNvPicPr>
-          <p:nvPr/>
-        </p:nvPicPr>
-        <p:blipFill>
-          <a:blip r:embed="rId3">
-            <a:extLst/>
-          </a:blip>
-          <a:srcRect l="68059" t="57385" r="13087" b="26717"/>
-          <a:stretch>
-            <a:fillRect/>
-          </a:stretch>
-        </p:blipFill>
-        <p:spPr>
-          <a:xfrm>
-            <a:off x="5780065" y="493127"/>
-            <a:ext cx="2598560" cy="1643279"/>
-          </a:xfrm>
-          <a:prstGeom prst="rect">
-            <a:avLst/>
-          </a:prstGeom>
-          <a:ln w="12700">
-            <a:miter lim="400000"/>
-          </a:ln>
-        </p:spPr>
-      </p:pic>
-      <p:grpSp>
-        <p:nvGrpSpPr>
-          <p:cNvPr id="177" name="Problem set. Be sure to:…"/>
-          <p:cNvGrpSpPr/>
-          <p:nvPr/>
-        </p:nvGrpSpPr>
-        <p:grpSpPr>
-          <a:xfrm>
-            <a:off x="4457706" y="3040925"/>
-            <a:ext cx="3506777" cy="1130301"/>
-            <a:chOff x="0" y="0"/>
-            <a:chExt cx="3506775" cy="1130300"/>
-          </a:xfrm>
-        </p:grpSpPr>
-        <p:sp>
-          <p:nvSpPr>
-            <p:cNvPr id="176" name="Problem set. Be sure to:…"/>
-            <p:cNvSpPr txBox="1"/>
-            <p:nvPr/>
-          </p:nvSpPr>
-          <p:spPr>
-            <a:xfrm>
-              <a:off x="12700" y="12700"/>
-              <a:ext cx="3481376" cy="1104900"/>
-            </a:xfrm>
-            <a:prstGeom prst="rect">
-              <a:avLst/>
-            </a:prstGeom>
-            <a:noFill/>
-            <a:ln>
-              <a:noFill/>
-            </a:ln>
-            <a:effectLst/>
-            <a:extLst>
-              <a:ext uri="{C572A759-6A51-4108-AA02-DFA0A04FC94B}">
-                <ma14:wrappingTextBoxFlag xmlns:ma14="http://schemas.microsoft.com/office/mac/drawingml/2011/main" val="1"/>
-              </a:ext>
-            </a:extLst>
-          </p:spPr>
-          <p:txBody>
-            <a:bodyPr wrap="square" lIns="0" tIns="0" rIns="0" bIns="0" numCol="1" anchor="t">
-              <a:spAutoFit/>
-            </a:bodyPr>
-            <a:lstStyle/>
-            <a:p>
-              <a:pPr>
-                <a:defRPr>
-                  <a:solidFill>
-                    <a:srgbClr val="000000"/>
-                  </a:solidFill>
-                </a:defRPr>
-              </a:pPr>
-              <a:r>
-                <a:t>Problem set. </a:t>
-              </a:r>
-              <a:r>
-                <a:rPr>
-                  <a:solidFill>
-                    <a:srgbClr val="FF6A00"/>
-                  </a:solidFill>
-                </a:rPr>
-                <a:t>Be sure to: </a:t>
-              </a:r>
-              <a:endParaRPr>
-                <a:solidFill>
-                  <a:srgbClr val="FF6A00"/>
-                </a:solidFill>
-              </a:endParaRPr>
-            </a:p>
-            <a:p>
-              <a:pPr marL="140368" indent="-140368">
-                <a:buSzPct val="100000"/>
-                <a:buChar char="•"/>
-                <a:defRPr>
-                  <a:solidFill>
-                    <a:srgbClr val="000000"/>
-                  </a:solidFill>
-                </a:defRPr>
-              </a:pPr>
-              <a:r>
-                <a:t>Do all work in notebook.</a:t>
-              </a:r>
-            </a:p>
-            <a:p>
-              <a:pPr marL="140368" indent="-140368">
-                <a:buSzPct val="100000"/>
-                <a:buChar char="•"/>
-                <a:defRPr>
-                  <a:solidFill>
-                    <a:srgbClr val="000000"/>
-                  </a:solidFill>
-                </a:defRPr>
-              </a:pPr>
-              <a:r>
-                <a:t>Show all work.</a:t>
-              </a:r>
-            </a:p>
-            <a:p>
-              <a:pPr marL="140368" indent="-140368">
-                <a:buSzPct val="100000"/>
-                <a:buChar char="•"/>
-                <a:defRPr>
-                  <a:solidFill>
-                    <a:srgbClr val="000000"/>
-                  </a:solidFill>
-                </a:defRPr>
-              </a:pPr>
-              <a:r>
-                <a:t>Work at volume 0 for first </a:t>
-              </a:r>
-              <a:r>
-                <a:rPr u="sng"/>
-                <a:t>four</a:t>
-              </a:r>
-              <a:r>
-                <a:t> minutes. Then you can check in with a neighbor</a:t>
-              </a:r>
-            </a:p>
-          </p:txBody>
-        </p:sp>
-        <p:pic>
-          <p:nvPicPr>
-            <p:cNvPr id="175" name="Problem set. Be sure to:… Problem set. Be sure to: Do all work in notebook.Show all work.Work at volume 0 for first four minutes. Then you can check in with a neighbor" descr="Problem set. Be sure to:… Problem set. Be sure to: Do all work in notebook.Show all work.Work at volume 0 for first four minutes. Then you can check in with a neighbor"/>
-            <p:cNvPicPr>
-              <a:picLocks noChangeAspect="0"/>
-            </p:cNvPicPr>
-            <p:nvPr/>
-          </p:nvPicPr>
-          <p:blipFill>
-            <a:blip r:embed="rId4">
-              <a:extLst/>
-            </a:blip>
-            <a:stretch>
-              <a:fillRect/>
-            </a:stretch>
-          </p:blipFill>
-          <p:spPr>
-            <a:xfrm>
-              <a:off x="0" y="0"/>
-              <a:ext cx="3506776" cy="1130300"/>
-            </a:xfrm>
-            <a:prstGeom prst="rect">
-              <a:avLst/>
-            </a:prstGeom>
-            <a:effectLst/>
-          </p:spPr>
-        </p:pic>
-      </p:grpSp>
-    </p:spTree>
-  </p:cSld>
-  <p:clrMapOvr>
-    <a:masterClrMapping/>
-  </p:clrMapOvr>
-  <p:transition xmlns:p14="http://schemas.microsoft.com/office/powerpoint/2010/main" spd="med" advClick="1"/>
-  <p:timing>
-    <p:tnLst>
-      <p:par>
-        <p:cTn id="1" nodeType="tmRoot" restart="never" dur="indefinite" fill="hold">
-          <p:childTnLst>
-            <p:seq concurrent="1" prevAc="none" nextAc="seek">
-              <p:cTn id="2" nodeType="mainSeq" dur="indefinite" fill="hold">
-                <p:childTnLst>
-                  <p:par>
-                    <p:cTn id="3" fill="hold">
-                      <p:stCondLst>
-                        <p:cond delay="indefinite"/>
-                      </p:stCondLst>
-                      <p:childTnLst>
-                        <p:par>
-                          <p:cTn id="4" fill="hold">
-                            <p:stCondLst>
-                              <p:cond delay="0"/>
-                            </p:stCondLst>
-                            <p:childTnLst>
-                              <p:par>
-                                <p:cTn id="5" presetClass="entr" nodeType="clickEffect" presetSubtype="0" presetID="1" grpId="1" fill="hold">
-                                  <p:stCondLst>
-                                    <p:cond delay="0"/>
-                                  </p:stCondLst>
-                                  <p:iterate type="el" backwards="0">
-                                    <p:tmAbs val="0"/>
-                                  </p:iterate>
-                                  <p:childTnLst>
-                                    <p:set>
-                                      <p:cBhvr>
-                                        <p:cTn id="6" fill="hold"/>
-                                        <p:tgtEl>
-                                          <p:spTgt spid="172"/>
-                                        </p:tgtEl>
-                                        <p:attrNameLst>
-                                          <p:attrName>style.visibility</p:attrName>
-                                        </p:attrNameLst>
-                                      </p:cBhvr>
-                                      <p:to>
-                                        <p:strVal val="visible"/>
-                                      </p:to>
-                                    </p:set>
-                                  </p:childTnLst>
-                                </p:cTn>
-                              </p:par>
-                            </p:childTnLst>
-                          </p:cTn>
-                        </p:par>
-                      </p:childTnLst>
-                    </p:cTn>
-                  </p:par>
-                  <p:par>
-                    <p:cTn id="7" fill="hold">
-                      <p:stCondLst>
-                        <p:cond delay="indefinite"/>
-                      </p:stCondLst>
-                      <p:childTnLst>
-                        <p:par>
-                          <p:cTn id="8" fill="hold">
-                            <p:stCondLst>
-                              <p:cond delay="0"/>
-                            </p:stCondLst>
-                            <p:childTnLst>
-                              <p:par>
-                                <p:cTn id="9" presetClass="entr" nodeType="clickEffect" presetSubtype="0" presetID="1" grpId="2" fill="hold">
-                                  <p:stCondLst>
-                                    <p:cond delay="0"/>
-                                  </p:stCondLst>
-                                  <p:iterate type="el" backwards="0">
-                                    <p:tmAbs val="0"/>
-                                  </p:iterate>
-                                  <p:childTnLst>
-                                    <p:set>
-                                      <p:cBhvr>
-                                        <p:cTn id="10" fill="hold"/>
-                                        <p:tgtEl>
-                                          <p:spTgt spid="173"/>
-                                        </p:tgtEl>
-                                        <p:attrNameLst>
-                                          <p:attrName>style.visibility</p:attrName>
-                                        </p:attrNameLst>
-                                      </p:cBhvr>
-                                      <p:to>
-                                        <p:strVal val="visible"/>
-                                      </p:to>
-                                    </p:set>
-                                  </p:childTnLst>
-                                </p:cTn>
-                              </p:par>
-                            </p:childTnLst>
-                          </p:cTn>
-                        </p:par>
-                      </p:childTnLst>
-                    </p:cTn>
-                  </p:par>
-                  <p:par>
-                    <p:cTn id="11" fill="hold">
-                      <p:stCondLst>
-                        <p:cond delay="indefinite"/>
-                      </p:stCondLst>
-                      <p:childTnLst>
-                        <p:par>
-                          <p:cTn id="12" fill="hold">
-                            <p:stCondLst>
-                              <p:cond delay="0"/>
-                            </p:stCondLst>
-                            <p:childTnLst>
-                              <p:par>
-                                <p:cTn id="13" presetClass="entr" nodeType="clickEffect" presetSubtype="0" presetID="1" grpId="3" fill="hold">
-                                  <p:stCondLst>
-                                    <p:cond delay="0"/>
-                                  </p:stCondLst>
-                                  <p:iterate type="el" backwards="0">
-                                    <p:tmAbs val="0"/>
-                                  </p:iterate>
-                                  <p:childTnLst>
-                                    <p:set>
-                                      <p:cBhvr>
-                                        <p:cTn id="14" fill="hold"/>
-                                        <p:tgtEl>
-                                          <p:spTgt spid="174"/>
-                                        </p:tgtEl>
-                                        <p:attrNameLst>
-                                          <p:attrName>style.visibility</p:attrName>
-                                        </p:attrNameLst>
-                                      </p:cBhvr>
-                                      <p:to>
-                                        <p:strVal val="visible"/>
-                                      </p:to>
-                                    </p:set>
-                                  </p:childTnLst>
-                                </p:cTn>
-                              </p:par>
-                            </p:childTnLst>
-                          </p:cTn>
-                        </p:par>
-                      </p:childTnLst>
-                    </p:cTn>
-                  </p:par>
-                  <p:par>
-                    <p:cTn id="15" fill="hold">
-                      <p:stCondLst>
-                        <p:cond delay="indefinite"/>
-                      </p:stCondLst>
-                      <p:childTnLst>
-                        <p:par>
-                          <p:cTn id="16" fill="hold">
-                            <p:stCondLst>
-                              <p:cond delay="0"/>
-                            </p:stCondLst>
-                            <p:childTnLst>
-                              <p:par>
-                                <p:cTn id="17" presetClass="entr" nodeType="clickEffect" presetSubtype="0" presetID="1" grpId="4" fill="hold">
-                                  <p:stCondLst>
-                                    <p:cond delay="0"/>
-                                  </p:stCondLst>
-                                  <p:iterate type="el" backwards="0">
-                                    <p:tmAbs val="0"/>
-                                  </p:iterate>
-                                  <p:childTnLst>
-                                    <p:set>
-                                      <p:cBhvr>
-                                        <p:cTn id="18" fill="hold"/>
-                                        <p:tgtEl>
-                                          <p:spTgt spid="177"/>
-                                        </p:tgtEl>
-                                        <p:attrNameLst>
-                                          <p:attrName>style.visibility</p:attrName>
-                                        </p:attrNameLst>
-                                      </p:cBhvr>
-                                      <p:to>
-                                        <p:strVal val="visible"/>
-                                      </p:to>
-                                    </p:set>
-                                  </p:childTnLst>
-                                </p:cTn>
-                              </p:par>
-                            </p:childTnLst>
-                          </p:cTn>
-                        </p:par>
-                      </p:childTnLst>
-                    </p:cTn>
-                  </p:par>
-                </p:childTnLst>
-              </p:cTn>
-              <p:prevCondLst>
-                <p:cond evt="onPrev">
-                  <p:tgtEl>
-                    <p:sldTgt/>
-                  </p:tgtEl>
-                </p:cond>
-              </p:prevCondLst>
-              <p:nextCondLst>
-                <p:cond evt="onNext">
-                  <p:tgtEl>
-                    <p:sldTgt/>
-                  </p:tgtEl>
-                </p:cond>
-              </p:nextCondLst>
-            </p:seq>
-          </p:childTnLst>
-        </p:cTn>
-      </p:par>
-    </p:tnLst>
-    <p:bldLst>
-      <p:bldP build="whole" bldLvl="1" animBg="1" rev="0" advAuto="0" spid="172" grpId="1"/>
-      <p:bldP build="whole" bldLvl="1" animBg="1" rev="0" advAuto="0" spid="173" grpId="2"/>
-      <p:bldP build="whole" bldLvl="1" animBg="1" rev="0" advAuto="0" spid="177" grpId="4"/>
-      <p:bldP build="whole" bldLvl="1" animBg="1" rev="0" advAuto="0" spid="174" grpId="3"/>
-    </p:bldLst>
-  </p:timing>
-</p:sld>
-</file>
-
-<file path=ppt/slides/slide5.xml><?xml version="1.0" encoding="utf-8"?>
-<p:sld xmlns:a="http://schemas.openxmlformats.org/drawingml/2006/main" xmlns:r="http://schemas.openxmlformats.org/officeDocument/2006/relationships" xmlns:p="http://schemas.openxmlformats.org/presentationml/2006/main" xmlns:m="http://schemas.openxmlformats.org/officeDocument/2006/math" xmlns:a14="http://schemas.microsoft.com/office/drawing/2010/main" showMasterSp="1" showMasterPhAnim="1">
-  <p:cSld>
-    <p:spTree>
-      <p:nvGrpSpPr>
-        <p:cNvPr id="1" name=""/>
-        <p:cNvGrpSpPr/>
-        <p:nvPr/>
-      </p:nvGrpSpPr>
-      <p:grpSpPr>
-        <a:xfrm>
-          <a:off x="0" y="0"/>
-          <a:ext cx="0" cy="0"/>
-          <a:chOff x="0" y="0"/>
-          <a:chExt cx="0" cy="0"/>
-        </a:xfrm>
-      </p:grpSpPr>
-      <p:sp>
-        <p:nvSpPr>
-          <p:cNvPr id="181" name="Double-click to edit"/>
-          <p:cNvSpPr txBox="1"/>
-          <p:nvPr>
-            <p:ph type="title"/>
-          </p:nvPr>
-        </p:nvSpPr>
-        <p:spPr>
-          <a:xfrm>
-            <a:off x="2270810" y="303149"/>
-            <a:ext cx="6321602" cy="635402"/>
-          </a:xfrm>
-          <a:prstGeom prst="rect">
-            <a:avLst/>
-          </a:prstGeom>
-        </p:spPr>
-        <p:txBody>
-          <a:bodyPr/>
-          <a:lstStyle/>
-          <a:p>
-            <a:pPr defTabSz="886968">
-              <a:defRPr sz="2910"/>
-            </a:pPr>
-          </a:p>
-        </p:txBody>
-      </p:sp>
-      <p:sp>
-        <p:nvSpPr>
-          <p:cNvPr id="182" name="Double-click to edit"/>
-          <p:cNvSpPr txBox="1"/>
-          <p:nvPr>
-            <p:ph type="body" idx="1"/>
-          </p:nvPr>
-        </p:nvSpPr>
-        <p:spPr>
-          <a:prstGeom prst="rect">
-            <a:avLst/>
-          </a:prstGeom>
-        </p:spPr>
-        <p:txBody>
-          <a:bodyPr/>
-          <a:lstStyle/>
-          <a:p>
-            <a:pPr/>
-          </a:p>
-        </p:txBody>
-      </p:sp>
-      <p:pic>
-        <p:nvPicPr>
-          <p:cNvPr id="183" name="Image" descr="Image"/>
-          <p:cNvPicPr>
-            <a:picLocks noChangeAspect="1"/>
-          </p:cNvPicPr>
-          <p:nvPr/>
-        </p:nvPicPr>
-        <p:blipFill>
-          <a:blip r:embed="rId3">
-            <a:extLst/>
-          </a:blip>
-          <a:stretch>
-            <a:fillRect/>
-          </a:stretch>
-        </p:blipFill>
-        <p:spPr>
-          <a:xfrm>
-            <a:off x="2225901" y="102704"/>
-            <a:ext cx="4891541" cy="4328877"/>
-          </a:xfrm>
-          <a:prstGeom prst="rect">
-            <a:avLst/>
-          </a:prstGeom>
-          <a:ln w="12700">
-            <a:miter lim="400000"/>
-          </a:ln>
-        </p:spPr>
-      </p:pic>
-    </p:spTree>
-  </p:cSld>
-  <p:clrMapOvr>
-    <a:masterClrMapping/>
-  </p:clrMapOvr>
-  <p:transition xmlns:p14="http://schemas.microsoft.com/office/powerpoint/2010/main" spd="med" advClick="1"/>
-</p:sld>
-</file>
-
-<file path=ppt/slides/slide6.xml><?xml version="1.0" encoding="utf-8"?>
-<p:sld xmlns:a="http://schemas.openxmlformats.org/drawingml/2006/main" xmlns:r="http://schemas.openxmlformats.org/officeDocument/2006/relationships" xmlns:p="http://schemas.openxmlformats.org/presentationml/2006/main" xmlns:m="http://schemas.openxmlformats.org/officeDocument/2006/math" xmlns:a14="http://schemas.microsoft.com/office/drawing/2010/main" showMasterSp="1" showMasterPhAnim="1">
-  <p:cSld>
-    <p:spTree>
-      <p:nvGrpSpPr>
-        <p:cNvPr id="1" name=""/>
-        <p:cNvGrpSpPr/>
-        <p:nvPr/>
-      </p:nvGrpSpPr>
-      <p:grpSpPr>
-        <a:xfrm>
-          <a:off x="0" y="0"/>
-          <a:ext cx="0" cy="0"/>
-          <a:chOff x="0" y="0"/>
-          <a:chExt cx="0" cy="0"/>
-        </a:xfrm>
-      </p:grpSpPr>
-      <p:sp>
-        <p:nvSpPr>
-          <p:cNvPr id="187" name="Double-click to edit"/>
-          <p:cNvSpPr txBox="1"/>
-          <p:nvPr>
-            <p:ph type="title"/>
-          </p:nvPr>
-        </p:nvSpPr>
-        <p:spPr>
-          <a:prstGeom prst="rect">
-            <a:avLst/>
-          </a:prstGeom>
-        </p:spPr>
-        <p:txBody>
-          <a:bodyPr/>
-          <a:lstStyle/>
-          <a:p>
-            <a:pPr defTabSz="886968">
-              <a:defRPr sz="2910"/>
-            </a:pPr>
-          </a:p>
-        </p:txBody>
-      </p:sp>
-      <p:sp>
-        <p:nvSpPr>
-          <p:cNvPr id="188" name="Double-click to edit"/>
-          <p:cNvSpPr txBox="1"/>
-          <p:nvPr>
-            <p:ph type="body" idx="1"/>
-          </p:nvPr>
-        </p:nvSpPr>
-        <p:spPr>
-          <a:prstGeom prst="rect">
-            <a:avLst/>
-          </a:prstGeom>
-        </p:spPr>
-        <p:txBody>
-          <a:bodyPr/>
-          <a:lstStyle/>
-          <a:p>
-            <a:pPr/>
-          </a:p>
-        </p:txBody>
-      </p:sp>
-      <p:pic>
-        <p:nvPicPr>
-          <p:cNvPr id="189" name="Image" descr="Image"/>
-          <p:cNvPicPr>
-            <a:picLocks noChangeAspect="1"/>
-          </p:cNvPicPr>
-          <p:nvPr/>
-        </p:nvPicPr>
-        <p:blipFill>
-          <a:blip r:embed="rId2">
-            <a:extLst/>
-          </a:blip>
-          <a:stretch>
-            <a:fillRect/>
-          </a:stretch>
-        </p:blipFill>
-        <p:spPr>
-          <a:xfrm>
-            <a:off x="1022350" y="1504950"/>
-            <a:ext cx="7099300" cy="2133600"/>
-          </a:xfrm>
-          <a:prstGeom prst="rect">
-            <a:avLst/>
-          </a:prstGeom>
-          <a:ln w="12700">
-            <a:miter lim="400000"/>
-          </a:ln>
-        </p:spPr>
-      </p:pic>
-    </p:spTree>
-  </p:cSld>
-  <p:clrMapOvr>
-    <a:masterClrMapping/>
-  </p:clrMapOvr>
-  <p:transition xmlns:p14="http://schemas.microsoft.com/office/powerpoint/2010/main" spd="med" advClick="1"/>
-</p:sld>
-</file>
-
-<file path=ppt/slides/slide7.xml><?xml version="1.0" encoding="utf-8"?>
-<p:sld xmlns:a="http://schemas.openxmlformats.org/drawingml/2006/main" xmlns:r="http://schemas.openxmlformats.org/officeDocument/2006/relationships" xmlns:p="http://schemas.openxmlformats.org/presentationml/2006/main" xmlns:m="http://schemas.openxmlformats.org/officeDocument/2006/math" xmlns:a14="http://schemas.microsoft.com/office/drawing/2010/main" showMasterSp="1" showMasterPhAnim="1">
-  <p:cSld>
-    <p:spTree>
-      <p:nvGrpSpPr>
-        <p:cNvPr id="1" name=""/>
-        <p:cNvGrpSpPr/>
-        <p:nvPr/>
-      </p:nvGrpSpPr>
-      <p:grpSpPr>
-        <a:xfrm>
-          <a:off x="0" y="0"/>
-          <a:ext cx="0" cy="0"/>
-          <a:chOff x="0" y="0"/>
-          <a:chExt cx="0" cy="0"/>
-        </a:xfrm>
-      </p:grpSpPr>
-      <p:sp>
-        <p:nvSpPr>
-          <p:cNvPr id="191" name="Double-click to edit"/>
-          <p:cNvSpPr txBox="1"/>
-          <p:nvPr>
-            <p:ph type="title"/>
-          </p:nvPr>
-        </p:nvSpPr>
-        <p:spPr>
-          <a:prstGeom prst="rect">
-            <a:avLst/>
-          </a:prstGeom>
-        </p:spPr>
-        <p:txBody>
-          <a:bodyPr/>
-          <a:lstStyle/>
-          <a:p>
-            <a:pPr defTabSz="886968">
-              <a:defRPr sz="2910"/>
-            </a:pPr>
-          </a:p>
-        </p:txBody>
-      </p:sp>
-      <p:sp>
-        <p:nvSpPr>
-          <p:cNvPr id="192" name="Double-click to edit"/>
-          <p:cNvSpPr txBox="1"/>
-          <p:nvPr>
-            <p:ph type="body" idx="1"/>
-          </p:nvPr>
-        </p:nvSpPr>
-        <p:spPr>
-          <a:prstGeom prst="rect">
-            <a:avLst/>
-          </a:prstGeom>
-        </p:spPr>
-        <p:txBody>
-          <a:bodyPr/>
-          <a:lstStyle/>
-          <a:p>
-            <a:pPr/>
-          </a:p>
-        </p:txBody>
-      </p:sp>
-      <p:pic>
-        <p:nvPicPr>
-          <p:cNvPr id="193" name="Image" descr="Image"/>
-          <p:cNvPicPr>
-            <a:picLocks noChangeAspect="1"/>
-          </p:cNvPicPr>
-          <p:nvPr/>
-        </p:nvPicPr>
-        <p:blipFill>
-          <a:blip r:embed="rId2">
-            <a:extLst/>
-          </a:blip>
-          <a:stretch>
-            <a:fillRect/>
-          </a:stretch>
-        </p:blipFill>
-        <p:spPr>
-          <a:xfrm>
-            <a:off x="679450" y="1371600"/>
-            <a:ext cx="7785100" cy="2400300"/>
-          </a:xfrm>
-          <a:prstGeom prst="rect">
-            <a:avLst/>
-          </a:prstGeom>
-          <a:ln w="12700">
-            <a:miter lim="400000"/>
-          </a:ln>
-        </p:spPr>
-      </p:pic>
-    </p:spTree>
-  </p:cSld>
-  <p:clrMapOvr>
-    <a:masterClrMapping/>
-  </p:clrMapOvr>
-  <p:transition xmlns:p14="http://schemas.microsoft.com/office/powerpoint/2010/main" spd="med" advClick="1"/>
-</p:sld>
-</file>
-
-<file path=ppt/slides/slide8.xml><?xml version="1.0" encoding="utf-8"?>
-<p:sld xmlns:a="http://schemas.openxmlformats.org/drawingml/2006/main" xmlns:r="http://schemas.openxmlformats.org/officeDocument/2006/relationships" xmlns:p="http://schemas.openxmlformats.org/presentationml/2006/main" xmlns:m="http://schemas.openxmlformats.org/officeDocument/2006/math" xmlns:a14="http://schemas.microsoft.com/office/drawing/2010/main" showMasterSp="1" showMasterPhAnim="1">
-  <p:cSld>
-    <p:spTree>
-      <p:nvGrpSpPr>
-        <p:cNvPr id="1" name=""/>
-        <p:cNvGrpSpPr/>
-        <p:nvPr/>
-      </p:nvGrpSpPr>
-      <p:grpSpPr>
-        <a:xfrm>
-          <a:off x="0" y="0"/>
-          <a:ext cx="0" cy="0"/>
-          <a:chOff x="0" y="0"/>
-          <a:chExt cx="0" cy="0"/>
-        </a:xfrm>
-      </p:grpSpPr>
-      <p:sp>
-        <p:nvSpPr>
-          <p:cNvPr id="195" name="Double-click to edit"/>
-          <p:cNvSpPr txBox="1"/>
-          <p:nvPr>
-            <p:ph type="title"/>
-          </p:nvPr>
-        </p:nvSpPr>
-        <p:spPr>
-          <a:prstGeom prst="rect">
-            <a:avLst/>
-          </a:prstGeom>
-        </p:spPr>
-        <p:txBody>
-          <a:bodyPr/>
-          <a:lstStyle/>
-          <a:p>
-            <a:pPr defTabSz="886968">
-              <a:defRPr sz="2910"/>
-            </a:pPr>
-          </a:p>
-        </p:txBody>
-      </p:sp>
-      <p:sp>
-        <p:nvSpPr>
-          <p:cNvPr id="196" name="Double-click to edit"/>
-          <p:cNvSpPr txBox="1"/>
-          <p:nvPr>
-            <p:ph type="body" idx="1"/>
-          </p:nvPr>
-        </p:nvSpPr>
-        <p:spPr>
-          <a:prstGeom prst="rect">
-            <a:avLst/>
-          </a:prstGeom>
-        </p:spPr>
-        <p:txBody>
-          <a:bodyPr/>
-          <a:lstStyle/>
-          <a:p>
-            <a:pPr/>
-          </a:p>
-        </p:txBody>
-      </p:sp>
-      <p:pic>
-        <p:nvPicPr>
-          <p:cNvPr id="197" name="Image" descr="Image"/>
-          <p:cNvPicPr>
-            <a:picLocks noChangeAspect="1"/>
-          </p:cNvPicPr>
-          <p:nvPr/>
-        </p:nvPicPr>
-        <p:blipFill>
-          <a:blip r:embed="rId3">
-            <a:extLst/>
-          </a:blip>
-          <a:stretch>
-            <a:fillRect/>
-          </a:stretch>
-        </p:blipFill>
-        <p:spPr>
-          <a:xfrm>
-            <a:off x="850900" y="1536700"/>
-            <a:ext cx="7442200" cy="2070100"/>
-          </a:xfrm>
-          <a:prstGeom prst="rect">
-            <a:avLst/>
-          </a:prstGeom>
-          <a:ln w="12700">
-            <a:miter lim="400000"/>
-          </a:ln>
-        </p:spPr>
-      </p:pic>
-    </p:spTree>
-  </p:cSld>
-  <p:clrMapOvr>
-    <a:masterClrMapping/>
-  </p:clrMapOvr>
-  <p:transition xmlns:p14="http://schemas.microsoft.com/office/powerpoint/2010/main" spd="med" advClick="1"/>
-</p:sld>
-</file>
-
-<file path=ppt/slides/slide9.xml><?xml version="1.0" encoding="utf-8"?>
-<p:sld xmlns:a="http://schemas.openxmlformats.org/drawingml/2006/main" xmlns:r="http://schemas.openxmlformats.org/officeDocument/2006/relationships" xmlns:p="http://schemas.openxmlformats.org/presentationml/2006/main" xmlns:m="http://schemas.openxmlformats.org/officeDocument/2006/math" xmlns:a14="http://schemas.microsoft.com/office/drawing/2010/main" showMasterSp="1" showMasterPhAnim="1">
-  <p:cSld>
-    <p:spTree>
-      <p:nvGrpSpPr>
-        <p:cNvPr id="1" name=""/>
-        <p:cNvGrpSpPr/>
-        <p:nvPr/>
-      </p:nvGrpSpPr>
-      <p:grpSpPr>
-        <a:xfrm>
-          <a:off x="0" y="0"/>
-          <a:ext cx="0" cy="0"/>
-          <a:chOff x="0" y="0"/>
-          <a:chExt cx="0" cy="0"/>
-        </a:xfrm>
-      </p:grpSpPr>
-      <p:sp>
-        <p:nvSpPr>
-          <p:cNvPr id="201" name="d"/>
-          <p:cNvSpPr txBox="1"/>
-          <p:nvPr>
-            <p:ph type="title"/>
-          </p:nvPr>
-        </p:nvSpPr>
-        <p:spPr>
-          <a:prstGeom prst="rect">
-            <a:avLst/>
-          </a:prstGeom>
-        </p:spPr>
-        <p:txBody>
-          <a:bodyPr/>
-          <a:lstStyle>
-            <a:lvl1pPr defTabSz="886968">
-              <a:defRPr sz="2910"/>
-            </a:lvl1pPr>
-          </a:lstStyle>
-          <a:p>
-            <a:pPr/>
-            <a:r>
               <a:t>d</a:t>
             </a:r>
           </a:p>
@@ -6754,7 +5352,7 @@
       </p:sp>
       <p:sp>
         <p:nvSpPr>
-          <p:cNvPr id="202" name="Google Shape;118;p19"/>
+          <p:cNvPr id="223" name="Google Shape;118;p19"/>
           <p:cNvSpPr txBox="1"/>
           <p:nvPr/>
         </p:nvSpPr>
@@ -6837,7 +5435,7 @@
       </p:sp>
       <p:sp>
         <p:nvSpPr>
-          <p:cNvPr id="203" name="For  , describe…"/>
+          <p:cNvPr id="224" name="For  , describe…"/>
           <p:cNvSpPr txBox="1"/>
           <p:nvPr/>
         </p:nvSpPr>
@@ -7151,6 +5749,1965 @@
           </a:p>
         </p:txBody>
       </p:sp>
+    </p:spTree>
+  </p:cSld>
+  <p:clrMapOvr>
+    <a:masterClrMapping/>
+  </p:clrMapOvr>
+  <p:transition xmlns:p14="http://schemas.microsoft.com/office/powerpoint/2010/main" spd="med" advClick="1"/>
+</p:sld>
+</file>
+
+<file path=ppt/slides/slide2.xml><?xml version="1.0" encoding="utf-8"?>
+<p:sld xmlns:a="http://schemas.openxmlformats.org/drawingml/2006/main" xmlns:r="http://schemas.openxmlformats.org/officeDocument/2006/relationships" xmlns:p="http://schemas.openxmlformats.org/presentationml/2006/main" xmlns:m="http://schemas.openxmlformats.org/officeDocument/2006/math" xmlns:a14="http://schemas.microsoft.com/office/drawing/2010/main" showMasterSp="1" showMasterPhAnim="1">
+  <p:cSld>
+    <p:spTree>
+      <p:nvGrpSpPr>
+        <p:cNvPr id="1" name=""/>
+        <p:cNvGrpSpPr/>
+        <p:nvPr/>
+      </p:nvGrpSpPr>
+      <p:grpSpPr>
+        <a:xfrm>
+          <a:off x="0" y="0"/>
+          <a:ext cx="0" cy="0"/>
+          <a:chOff x="0" y="0"/>
+          <a:chExt cx="0" cy="0"/>
+        </a:xfrm>
+      </p:grpSpPr>
+      <p:sp>
+        <p:nvSpPr>
+          <p:cNvPr id="176" name="Google Shape;118;p19"/>
+          <p:cNvSpPr txBox="1"/>
+          <p:nvPr>
+            <p:ph type="title"/>
+          </p:nvPr>
+        </p:nvSpPr>
+        <p:spPr>
+          <a:xfrm>
+            <a:off x="1424036" y="575950"/>
+            <a:ext cx="7302727" cy="939690"/>
+          </a:xfrm>
+          <a:prstGeom prst="rect">
+            <a:avLst/>
+          </a:prstGeom>
+          <a:solidFill>
+            <a:srgbClr val="FFFFFF"/>
+          </a:solidFill>
+          <a:ln w="25400">
+            <a:solidFill>
+              <a:schemeClr val="accent1"/>
+            </a:solidFill>
+            <a:round/>
+          </a:ln>
+        </p:spPr>
+        <p:txBody>
+          <a:bodyPr/>
+          <a:lstStyle/>
+          <a:p>
+            <a:pPr defTabSz="813816">
+              <a:defRPr b="0" sz="2136">
+                <a:solidFill>
+                  <a:srgbClr val="F46524"/>
+                </a:solidFill>
+                <a:latin typeface="+mn-lt"/>
+                <a:ea typeface="+mn-ea"/>
+                <a:cs typeface="+mn-cs"/>
+                <a:sym typeface="Arial"/>
+              </a:defRPr>
+            </a:pPr>
+            <a:r>
+              <a:t>do now</a:t>
+            </a:r>
+          </a:p>
+          <a:p>
+            <a:pPr defTabSz="813816">
+              <a:defRPr b="0" sz="1246">
+                <a:solidFill>
+                  <a:schemeClr val="accent3">
+                    <a:lumOff val="-9098"/>
+                  </a:schemeClr>
+                </a:solidFill>
+                <a:latin typeface="+mj-lt"/>
+                <a:ea typeface="+mj-ea"/>
+                <a:cs typeface="+mj-cs"/>
+                <a:sym typeface="Helvetica"/>
+              </a:defRPr>
+            </a:pPr>
+            <a:r>
+              <a:rPr>
+                <a:solidFill>
+                  <a:schemeClr val="accent5"/>
+                </a:solidFill>
+              </a:rPr>
+              <a:t>be sure to:</a:t>
+            </a:r>
+            <a:r>
+              <a:rPr>
+                <a:solidFill>
+                  <a:schemeClr val="accent5">
+                    <a:lumOff val="-9843"/>
+                  </a:schemeClr>
+                </a:solidFill>
+              </a:rPr>
+              <a:t> </a:t>
+            </a:r>
+            <a:r>
+              <a:t>Get out your </a:t>
+            </a:r>
+            <a:r>
+              <a:rPr b="1"/>
+              <a:t>binder</a:t>
+            </a:r>
+            <a:r>
+              <a:t>. Copy </a:t>
+            </a:r>
+            <a:r>
+              <a:rPr b="1"/>
+              <a:t>goal </a:t>
+            </a:r>
+            <a:r>
+              <a:t>and answer </a:t>
+            </a:r>
+            <a:r>
+              <a:rPr b="1"/>
+              <a:t>do now</a:t>
+            </a:r>
+            <a:r>
+              <a:t> </a:t>
+            </a:r>
+            <a:r>
+              <a:t>questions below. Show all work or write a complete sentence for each answer:</a:t>
+            </a:r>
+          </a:p>
+        </p:txBody>
+      </p:sp>
+      <p:sp>
+        <p:nvSpPr>
+          <p:cNvPr id="177" name="What similarities do you notice between these graphs? Describe 2.…"/>
+          <p:cNvSpPr txBox="1"/>
+          <p:nvPr/>
+        </p:nvSpPr>
+        <p:spPr>
+          <a:xfrm>
+            <a:off x="634531" y="1686278"/>
+            <a:ext cx="3278433" cy="1511301"/>
+          </a:xfrm>
+          <a:prstGeom prst="rect">
+            <a:avLst/>
+          </a:prstGeom>
+          <a:ln w="12700">
+            <a:miter lim="400000"/>
+          </a:ln>
+          <a:extLst>
+            <a:ext uri="{C572A759-6A51-4108-AA02-DFA0A04FC94B}">
+              <ma14:wrappingTextBoxFlag xmlns:ma14="http://schemas.microsoft.com/office/mac/drawingml/2011/main" val="1"/>
+            </a:ext>
+          </a:extLst>
+        </p:spPr>
+        <p:txBody>
+          <a:bodyPr lIns="0" tIns="0" rIns="0" bIns="0">
+            <a:spAutoFit/>
+          </a:bodyPr>
+          <a:lstStyle/>
+          <a:p>
+            <a:pPr lvl="1" marL="695157" indent="-187157">
+              <a:buSzPct val="100000"/>
+              <a:buAutoNum type="alphaLcPeriod" startAt="1"/>
+            </a:pPr>
+            <a:r>
+              <a:t>What similarities do you notice between these graphs? Describe 2.</a:t>
+            </a:r>
+          </a:p>
+          <a:p>
+            <a:pPr lvl="1" marL="695157" indent="-187157">
+              <a:buSzPct val="100000"/>
+              <a:buAutoNum type="alphaLcPeriod" startAt="1"/>
+            </a:pPr>
+            <a:r>
+              <a:t>What differences do you notice between these graphs? Describe 3.</a:t>
+            </a:r>
+          </a:p>
+        </p:txBody>
+      </p:sp>
+      <p:pic>
+        <p:nvPicPr>
+          <p:cNvPr id="178" name="IMG_0061.png" descr="IMG_0061.png"/>
+          <p:cNvPicPr>
+            <a:picLocks noChangeAspect="1"/>
+          </p:cNvPicPr>
+          <p:nvPr/>
+        </p:nvPicPr>
+        <p:blipFill>
+          <a:blip r:embed="rId3">
+            <a:extLst/>
+          </a:blip>
+          <a:srcRect l="23701" t="12534" r="27102" b="52937"/>
+          <a:stretch>
+            <a:fillRect/>
+          </a:stretch>
+        </p:blipFill>
+        <p:spPr>
+          <a:xfrm>
+            <a:off x="4305551" y="1650495"/>
+            <a:ext cx="4088449" cy="2152103"/>
+          </a:xfrm>
+          <a:prstGeom prst="rect">
+            <a:avLst/>
+          </a:prstGeom>
+          <a:ln w="12700">
+            <a:miter lim="400000"/>
+          </a:ln>
+        </p:spPr>
+      </p:pic>
+    </p:spTree>
+  </p:cSld>
+  <p:clrMapOvr>
+    <a:masterClrMapping/>
+  </p:clrMapOvr>
+  <p:transition xmlns:p14="http://schemas.microsoft.com/office/powerpoint/2010/main" spd="med" advClick="1"/>
+</p:sld>
+</file>
+
+<file path=ppt/slides/slide3.xml><?xml version="1.0" encoding="utf-8"?>
+<p:sld xmlns:a="http://schemas.openxmlformats.org/drawingml/2006/main" xmlns:r="http://schemas.openxmlformats.org/officeDocument/2006/relationships" xmlns:p="http://schemas.openxmlformats.org/presentationml/2006/main" xmlns:m="http://schemas.openxmlformats.org/officeDocument/2006/math" xmlns:a14="http://schemas.microsoft.com/office/drawing/2010/main" showMasterSp="1" showMasterPhAnim="1">
+  <p:cSld>
+    <p:spTree>
+      <p:nvGrpSpPr>
+        <p:cNvPr id="1" name=""/>
+        <p:cNvGrpSpPr/>
+        <p:nvPr/>
+      </p:nvGrpSpPr>
+      <p:grpSpPr>
+        <a:xfrm>
+          <a:off x="0" y="0"/>
+          <a:ext cx="0" cy="0"/>
+          <a:chOff x="0" y="0"/>
+          <a:chExt cx="0" cy="0"/>
+        </a:xfrm>
+      </p:grpSpPr>
+      <p:sp>
+        <p:nvSpPr>
+          <p:cNvPr id="182" name="framing"/>
+          <p:cNvSpPr txBox="1"/>
+          <p:nvPr>
+            <p:ph type="title"/>
+          </p:nvPr>
+        </p:nvSpPr>
+        <p:spPr>
+          <a:prstGeom prst="rect">
+            <a:avLst/>
+          </a:prstGeom>
+        </p:spPr>
+        <p:txBody>
+          <a:bodyPr/>
+          <a:lstStyle>
+            <a:lvl1pPr defTabSz="886968">
+              <a:defRPr sz="2910"/>
+            </a:lvl1pPr>
+          </a:lstStyle>
+          <a:p>
+            <a:pPr/>
+            <a:r>
+              <a:t>framing</a:t>
+            </a:r>
+          </a:p>
+        </p:txBody>
+      </p:sp>
+      <p:pic>
+        <p:nvPicPr>
+          <p:cNvPr id="183" name="Image" descr="Image"/>
+          <p:cNvPicPr>
+            <a:picLocks noChangeAspect="1"/>
+          </p:cNvPicPr>
+          <p:nvPr/>
+        </p:nvPicPr>
+        <p:blipFill>
+          <a:blip r:embed="rId2">
+            <a:extLst/>
+          </a:blip>
+          <a:stretch>
+            <a:fillRect/>
+          </a:stretch>
+        </p:blipFill>
+        <p:spPr>
+          <a:xfrm>
+            <a:off x="251394" y="1554284"/>
+            <a:ext cx="3352801" cy="2425701"/>
+          </a:xfrm>
+          <a:prstGeom prst="rect">
+            <a:avLst/>
+          </a:prstGeom>
+          <a:ln w="12700">
+            <a:miter lim="400000"/>
+          </a:ln>
+        </p:spPr>
+      </p:pic>
+      <p:sp>
+        <p:nvSpPr>
+          <p:cNvPr id="184" name="what: find the roots and relative extrema of polynomials…"/>
+          <p:cNvSpPr txBox="1"/>
+          <p:nvPr/>
+        </p:nvSpPr>
+        <p:spPr>
+          <a:xfrm>
+            <a:off x="3682386" y="1584122"/>
+            <a:ext cx="4838766" cy="3002402"/>
+          </a:xfrm>
+          <a:prstGeom prst="rect">
+            <a:avLst/>
+          </a:prstGeom>
+          <a:ln w="12700">
+            <a:miter lim="400000"/>
+          </a:ln>
+          <a:extLst>
+            <a:ext uri="{C572A759-6A51-4108-AA02-DFA0A04FC94B}">
+              <ma14:wrappingTextBoxFlag xmlns:ma14="http://schemas.microsoft.com/office/mac/drawingml/2011/main" val="1"/>
+            </a:ext>
+          </a:extLst>
+        </p:spPr>
+        <p:txBody>
+          <a:bodyPr lIns="91423" tIns="91423" rIns="91423" bIns="91423">
+            <a:normAutofit fontScale="100000" lnSpcReduction="0"/>
+          </a:bodyPr>
+          <a:lstStyle/>
+          <a:p>
+            <a:pPr marL="457200" indent="-342900">
+              <a:lnSpc>
+                <a:spcPct val="115000"/>
+              </a:lnSpc>
+              <a:buClr>
+                <a:srgbClr val="000000"/>
+              </a:buClr>
+              <a:buSzPts val="1800"/>
+              <a:buFont typeface="Helvetica"/>
+              <a:buChar char="●"/>
+              <a:defRPr b="1" sz="1800">
+                <a:solidFill>
+                  <a:srgbClr val="000000"/>
+                </a:solidFill>
+                <a:latin typeface="Lato"/>
+                <a:ea typeface="Lato"/>
+                <a:cs typeface="Lato"/>
+                <a:sym typeface="Lato"/>
+              </a:defRPr>
+            </a:pPr>
+            <a:r>
+              <a:t>what: </a:t>
+            </a:r>
+            <a:r>
+              <a:rPr b="0"/>
+              <a:t>find the roots and relative extrema of polynomials</a:t>
+            </a:r>
+            <a:endParaRPr b="0"/>
+          </a:p>
+          <a:p>
+            <a:pPr marL="457200" indent="-342900">
+              <a:lnSpc>
+                <a:spcPct val="115000"/>
+              </a:lnSpc>
+              <a:buClr>
+                <a:srgbClr val="000000"/>
+              </a:buClr>
+              <a:buSzPts val="1800"/>
+              <a:buFont typeface="Helvetica"/>
+              <a:buChar char="●"/>
+              <a:defRPr b="1" sz="1800">
+                <a:solidFill>
+                  <a:srgbClr val="000000"/>
+                </a:solidFill>
+                <a:latin typeface="Lato"/>
+                <a:ea typeface="Lato"/>
+                <a:cs typeface="Lato"/>
+                <a:sym typeface="Lato"/>
+              </a:defRPr>
+            </a:pPr>
+            <a:r>
+              <a:t>why: </a:t>
+            </a:r>
+            <a:r>
+              <a:rPr b="0"/>
+              <a:t>higher order polynomial equations can be used to model things in science, engineering, and more!</a:t>
+            </a:r>
+            <a:endParaRPr b="0"/>
+          </a:p>
+          <a:p>
+            <a:pPr marL="457200" indent="-342900">
+              <a:lnSpc>
+                <a:spcPct val="115000"/>
+              </a:lnSpc>
+              <a:buClr>
+                <a:srgbClr val="000000"/>
+              </a:buClr>
+              <a:buSzPts val="1800"/>
+              <a:buFont typeface="Helvetica"/>
+              <a:buChar char="●"/>
+              <a:defRPr b="1" sz="1800">
+                <a:solidFill>
+                  <a:srgbClr val="000000"/>
+                </a:solidFill>
+                <a:latin typeface="Lato"/>
+                <a:ea typeface="Lato"/>
+                <a:cs typeface="Lato"/>
+                <a:sym typeface="Lato"/>
+              </a:defRPr>
+            </a:pPr>
+            <a:r>
+              <a:t>where to: </a:t>
+            </a:r>
+            <a:r>
+              <a:rPr b="0"/>
+              <a:t>sketching</a:t>
+            </a:r>
+            <a:r>
+              <a:t> </a:t>
+            </a:r>
+            <a:r>
+              <a:rPr b="0"/>
+              <a:t>more accurate graphs of higher order polynomials</a:t>
+            </a:r>
+          </a:p>
+        </p:txBody>
+      </p:sp>
+    </p:spTree>
+  </p:cSld>
+  <p:clrMapOvr>
+    <a:masterClrMapping/>
+  </p:clrMapOvr>
+  <p:transition xmlns:p14="http://schemas.microsoft.com/office/powerpoint/2010/main" spd="med" advClick="1"/>
+  <p:timing>
+    <p:tnLst>
+      <p:par>
+        <p:cTn id="1" nodeType="tmRoot" restart="never" dur="indefinite" fill="hold">
+          <p:childTnLst>
+            <p:seq concurrent="1" prevAc="none" nextAc="seek">
+              <p:cTn id="2" nodeType="mainSeq" dur="indefinite" fill="hold">
+                <p:childTnLst>
+                  <p:par>
+                    <p:cTn id="3" fill="hold">
+                      <p:stCondLst>
+                        <p:cond delay="indefinite"/>
+                      </p:stCondLst>
+                      <p:childTnLst>
+                        <p:par>
+                          <p:cTn id="4" fill="hold">
+                            <p:stCondLst>
+                              <p:cond delay="0"/>
+                            </p:stCondLst>
+                            <p:childTnLst>
+                              <p:par>
+                                <p:cTn id="5" presetClass="entr" nodeType="clickEffect" presetSubtype="0" presetID="1" grpId="1" fill="hold">
+                                  <p:stCondLst>
+                                    <p:cond delay="0"/>
+                                  </p:stCondLst>
+                                  <p:iterate type="el" backwards="0">
+                                    <p:tmAbs val="0"/>
+                                  </p:iterate>
+                                  <p:childTnLst>
+                                    <p:set>
+                                      <p:cBhvr>
+                                        <p:cTn id="6" fill="hold"/>
+                                        <p:tgtEl>
+                                          <p:spTgt spid="184">
+                                            <p:bg/>
+                                          </p:spTgt>
+                                        </p:tgtEl>
+                                        <p:attrNameLst>
+                                          <p:attrName>style.visibility</p:attrName>
+                                        </p:attrNameLst>
+                                      </p:cBhvr>
+                                      <p:to>
+                                        <p:strVal val="visible"/>
+                                      </p:to>
+                                    </p:set>
+                                  </p:childTnLst>
+                                </p:cTn>
+                              </p:par>
+                              <p:par>
+                                <p:cTn id="7" presetClass="entr" nodeType="withEffect" presetSubtype="0" presetID="1" grpId="1" fill="hold">
+                                  <p:stCondLst>
+                                    <p:cond delay="0"/>
+                                  </p:stCondLst>
+                                  <p:iterate type="el" backwards="0">
+                                    <p:tmAbs val="0"/>
+                                  </p:iterate>
+                                  <p:childTnLst>
+                                    <p:set>
+                                      <p:cBhvr>
+                                        <p:cTn id="8" fill="hold"/>
+                                        <p:tgtEl>
+                                          <p:spTgt spid="184">
+                                            <p:txEl>
+                                              <p:pRg st="0" end="0"/>
+                                            </p:txEl>
+                                          </p:spTgt>
+                                        </p:tgtEl>
+                                        <p:attrNameLst>
+                                          <p:attrName>style.visibility</p:attrName>
+                                        </p:attrNameLst>
+                                      </p:cBhvr>
+                                      <p:to>
+                                        <p:strVal val="visible"/>
+                                      </p:to>
+                                    </p:set>
+                                  </p:childTnLst>
+                                </p:cTn>
+                              </p:par>
+                            </p:childTnLst>
+                          </p:cTn>
+                        </p:par>
+                      </p:childTnLst>
+                    </p:cTn>
+                  </p:par>
+                  <p:par>
+                    <p:cTn id="9" fill="hold">
+                      <p:stCondLst>
+                        <p:cond delay="indefinite"/>
+                      </p:stCondLst>
+                      <p:childTnLst>
+                        <p:par>
+                          <p:cTn id="10" fill="hold">
+                            <p:stCondLst>
+                              <p:cond delay="0"/>
+                            </p:stCondLst>
+                            <p:childTnLst>
+                              <p:par>
+                                <p:cTn id="11" presetClass="entr" nodeType="clickEffect" presetSubtype="0" presetID="1" grpId="1" fill="hold">
+                                  <p:stCondLst>
+                                    <p:cond delay="0"/>
+                                  </p:stCondLst>
+                                  <p:iterate type="el" backwards="0">
+                                    <p:tmAbs val="0"/>
+                                  </p:iterate>
+                                  <p:childTnLst>
+                                    <p:set>
+                                      <p:cBhvr>
+                                        <p:cTn id="12" fill="hold"/>
+                                        <p:tgtEl>
+                                          <p:spTgt spid="184">
+                                            <p:txEl>
+                                              <p:pRg st="1" end="1"/>
+                                            </p:txEl>
+                                          </p:spTgt>
+                                        </p:tgtEl>
+                                        <p:attrNameLst>
+                                          <p:attrName>style.visibility</p:attrName>
+                                        </p:attrNameLst>
+                                      </p:cBhvr>
+                                      <p:to>
+                                        <p:strVal val="visible"/>
+                                      </p:to>
+                                    </p:set>
+                                  </p:childTnLst>
+                                </p:cTn>
+                              </p:par>
+                            </p:childTnLst>
+                          </p:cTn>
+                        </p:par>
+                      </p:childTnLst>
+                    </p:cTn>
+                  </p:par>
+                  <p:par>
+                    <p:cTn id="13" fill="hold">
+                      <p:stCondLst>
+                        <p:cond delay="indefinite"/>
+                      </p:stCondLst>
+                      <p:childTnLst>
+                        <p:par>
+                          <p:cTn id="14" fill="hold">
+                            <p:stCondLst>
+                              <p:cond delay="0"/>
+                            </p:stCondLst>
+                            <p:childTnLst>
+                              <p:par>
+                                <p:cTn id="15" presetClass="entr" nodeType="clickEffect" presetSubtype="0" presetID="1" grpId="1" fill="hold">
+                                  <p:stCondLst>
+                                    <p:cond delay="0"/>
+                                  </p:stCondLst>
+                                  <p:iterate type="el" backwards="0">
+                                    <p:tmAbs val="0"/>
+                                  </p:iterate>
+                                  <p:childTnLst>
+                                    <p:set>
+                                      <p:cBhvr>
+                                        <p:cTn id="16" fill="hold"/>
+                                        <p:tgtEl>
+                                          <p:spTgt spid="184">
+                                            <p:txEl>
+                                              <p:pRg st="2" end="2"/>
+                                            </p:txEl>
+                                          </p:spTgt>
+                                        </p:tgtEl>
+                                        <p:attrNameLst>
+                                          <p:attrName>style.visibility</p:attrName>
+                                        </p:attrNameLst>
+                                      </p:cBhvr>
+                                      <p:to>
+                                        <p:strVal val="visible"/>
+                                      </p:to>
+                                    </p:set>
+                                  </p:childTnLst>
+                                </p:cTn>
+                              </p:par>
+                            </p:childTnLst>
+                          </p:cTn>
+                        </p:par>
+                      </p:childTnLst>
+                    </p:cTn>
+                  </p:par>
+                </p:childTnLst>
+              </p:cTn>
+              <p:prevCondLst>
+                <p:cond evt="onPrev">
+                  <p:tgtEl>
+                    <p:sldTgt/>
+                  </p:tgtEl>
+                </p:cond>
+              </p:prevCondLst>
+              <p:nextCondLst>
+                <p:cond evt="onNext">
+                  <p:tgtEl>
+                    <p:sldTgt/>
+                  </p:tgtEl>
+                </p:cond>
+              </p:nextCondLst>
+            </p:seq>
+          </p:childTnLst>
+        </p:cTn>
+      </p:par>
+    </p:tnLst>
+    <p:bldLst>
+      <p:bldP build="p" bldLvl="5" animBg="1" rev="0" advAuto="0" spid="184" grpId="1"/>
+    </p:bldLst>
+  </p:timing>
+</p:sld>
+</file>
+
+<file path=ppt/slides/slide4.xml><?xml version="1.0" encoding="utf-8"?>
+<p:sld xmlns:a="http://schemas.openxmlformats.org/drawingml/2006/main" xmlns:r="http://schemas.openxmlformats.org/officeDocument/2006/relationships" xmlns:p="http://schemas.openxmlformats.org/presentationml/2006/main" xmlns:m="http://schemas.openxmlformats.org/officeDocument/2006/math" xmlns:a14="http://schemas.microsoft.com/office/drawing/2010/main" showMasterSp="1" showMasterPhAnim="1">
+  <p:cSld>
+    <p:spTree>
+      <p:nvGrpSpPr>
+        <p:cNvPr id="1" name=""/>
+        <p:cNvGrpSpPr/>
+        <p:nvPr/>
+      </p:nvGrpSpPr>
+      <p:grpSpPr>
+        <a:xfrm>
+          <a:off x="0" y="0"/>
+          <a:ext cx="0" cy="0"/>
+          <a:chOff x="0" y="0"/>
+          <a:chExt cx="0" cy="0"/>
+        </a:xfrm>
+      </p:grpSpPr>
+      <p:sp>
+        <p:nvSpPr>
+          <p:cNvPr id="186" name="For any polynomial f with a highest exponent n:…"/>
+          <p:cNvSpPr txBox="1"/>
+          <p:nvPr/>
+        </p:nvSpPr>
+        <p:spPr>
+          <a:xfrm>
+            <a:off x="124062" y="1292394"/>
+            <a:ext cx="3080118" cy="1511301"/>
+          </a:xfrm>
+          <a:prstGeom prst="rect">
+            <a:avLst/>
+          </a:prstGeom>
+          <a:ln w="12700">
+            <a:miter lim="400000"/>
+          </a:ln>
+          <a:extLst>
+            <a:ext uri="{C572A759-6A51-4108-AA02-DFA0A04FC94B}">
+              <ma14:wrappingTextBoxFlag xmlns:ma14="http://schemas.microsoft.com/office/mac/drawingml/2011/main" val="1"/>
+            </a:ext>
+          </a:extLst>
+        </p:spPr>
+        <p:txBody>
+          <a:bodyPr lIns="0" tIns="0" rIns="0" bIns="0">
+            <a:spAutoFit/>
+          </a:bodyPr>
+          <a:lstStyle/>
+          <a:p>
+            <a:pPr/>
+            <a:r>
+              <a:t>For any polynomial </a:t>
+            </a:r>
+            <a:r>
+              <a:rPr i="1"/>
+              <a:t>f </a:t>
+            </a:r>
+            <a:r>
+              <a:t>with a highest exponent </a:t>
+            </a:r>
+            <a:r>
+              <a:rPr i="1"/>
+              <a:t>n</a:t>
+            </a:r>
+            <a:r>
+              <a:t>:</a:t>
+            </a:r>
+          </a:p>
+          <a:p>
+            <a:pPr/>
+          </a:p>
+          <a:p>
+            <a:pPr marL="187157" indent="-187157">
+              <a:buSzPct val="100000"/>
+              <a:buAutoNum type="arabicPeriod" startAt="1"/>
+              <a:defRPr i="1"/>
+            </a:pPr>
+            <a:r>
+              <a:t>f </a:t>
+            </a:r>
+            <a:r>
+              <a:rPr i="0"/>
+              <a:t>has </a:t>
+            </a:r>
+            <a:r>
+              <a:rPr i="0" u="sng"/>
+              <a:t>at most</a:t>
+            </a:r>
+            <a:r>
+              <a:rPr i="0"/>
+              <a:t> </a:t>
+            </a:r>
+            <a:r>
+              <a:t>n </a:t>
+            </a:r>
+            <a:r>
+              <a:rPr i="0"/>
+              <a:t>real roots.</a:t>
+            </a:r>
+            <a:endParaRPr i="0"/>
+          </a:p>
+          <a:p>
+            <a:pPr marL="187157" indent="-187157">
+              <a:buSzPct val="100000"/>
+              <a:buAutoNum type="arabicPeriod" startAt="1"/>
+              <a:defRPr i="1"/>
+            </a:pPr>
+            <a:r>
+              <a:rPr i="0"/>
+              <a:t>The graph for </a:t>
+            </a:r>
+            <a:r>
+              <a:t>f</a:t>
+            </a:r>
+            <a:r>
+              <a:rPr i="0"/>
+              <a:t> has </a:t>
+            </a:r>
+            <a:r>
+              <a:rPr i="0" u="sng"/>
+              <a:t>at most</a:t>
+            </a:r>
+            <a:r>
+              <a:rPr i="0"/>
+              <a:t> </a:t>
+            </a:r>
+            <a:r>
+              <a:t>n-1</a:t>
+            </a:r>
+            <a:r>
+              <a:rPr i="0"/>
+              <a:t> relative extrema (relative minima or maxima)</a:t>
+            </a:r>
+          </a:p>
+        </p:txBody>
+      </p:sp>
+      <p:sp>
+        <p:nvSpPr>
+          <p:cNvPr id="187" name="Vocab:…"/>
+          <p:cNvSpPr txBox="1"/>
+          <p:nvPr/>
+        </p:nvSpPr>
+        <p:spPr>
+          <a:xfrm>
+            <a:off x="71013" y="2854388"/>
+            <a:ext cx="2866082" cy="656773"/>
+          </a:xfrm>
+          <a:prstGeom prst="rect">
+            <a:avLst/>
+          </a:prstGeom>
+          <a:ln w="12700">
+            <a:miter lim="400000"/>
+          </a:ln>
+          <a:extLst>
+            <a:ext uri="{C572A759-6A51-4108-AA02-DFA0A04FC94B}">
+              <ma14:wrappingTextBoxFlag xmlns:ma14="http://schemas.microsoft.com/office/mac/drawingml/2011/main" val="1"/>
+            </a:ext>
+          </a:extLst>
+        </p:spPr>
+        <p:txBody>
+          <a:bodyPr lIns="0" tIns="0" rIns="0" bIns="0">
+            <a:spAutoFit/>
+          </a:bodyPr>
+          <a:lstStyle/>
+          <a:p>
+            <a:pPr>
+              <a:defRPr>
+                <a:solidFill>
+                  <a:srgbClr val="012F7B"/>
+                </a:solidFill>
+              </a:defRPr>
+            </a:pPr>
+            <a:r>
+              <a:t>Vocab:</a:t>
+            </a:r>
+          </a:p>
+          <a:p>
+            <a:pPr>
+              <a:defRPr b="1">
+                <a:solidFill>
+                  <a:srgbClr val="38571A"/>
+                </a:solidFill>
+              </a:defRPr>
+            </a:pPr>
+            <a:r>
+              <a:t>Root of a polynomial: </a:t>
+            </a:r>
+            <a:r>
+              <a:rPr b="0"/>
+              <a:t>any value of </a:t>
+            </a:r>
+            <a:r>
+              <a:rPr b="0" i="1"/>
+              <a:t>x</a:t>
+            </a:r>
+            <a:r>
+              <a:rPr b="0"/>
+              <a:t> where </a:t>
+            </a:r>
+            <a14:m>
+              <m:oMath>
+                <m:r>
+                  <a:rPr xmlns:a="http://schemas.openxmlformats.org/drawingml/2006/main" sz="1600" i="1">
+                    <a:solidFill>
+                      <a:srgbClr val="38571A"/>
+                    </a:solidFill>
+                    <a:latin typeface="Cambria Math" panose="02040503050406030204" pitchFamily="18" charset="0"/>
+                  </a:rPr>
+                  <m:t>f</m:t>
+                </m:r>
+                <m:r>
+                  <a:rPr xmlns:a="http://schemas.openxmlformats.org/drawingml/2006/main" sz="1600" i="1">
+                    <a:solidFill>
+                      <a:srgbClr val="38571A"/>
+                    </a:solidFill>
+                    <a:latin typeface="Cambria Math" panose="02040503050406030204" pitchFamily="18" charset="0"/>
+                  </a:rPr>
+                  <m:t>(</m:t>
+                </m:r>
+                <m:r>
+                  <a:rPr xmlns:a="http://schemas.openxmlformats.org/drawingml/2006/main" sz="1600" i="1">
+                    <a:solidFill>
+                      <a:srgbClr val="38571A"/>
+                    </a:solidFill>
+                    <a:latin typeface="Cambria Math" panose="02040503050406030204" pitchFamily="18" charset="0"/>
+                  </a:rPr>
+                  <m:t>x</m:t>
+                </m:r>
+                <m:r>
+                  <a:rPr xmlns:a="http://schemas.openxmlformats.org/drawingml/2006/main" sz="1600" i="1">
+                    <a:solidFill>
+                      <a:srgbClr val="38571A"/>
+                    </a:solidFill>
+                    <a:latin typeface="Cambria Math" panose="02040503050406030204" pitchFamily="18" charset="0"/>
+                  </a:rPr>
+                  <m:t>)</m:t>
+                </m:r>
+                <m:r>
+                  <a:rPr xmlns:a="http://schemas.openxmlformats.org/drawingml/2006/main" sz="1600" i="1">
+                    <a:solidFill>
+                      <a:srgbClr val="38571A"/>
+                    </a:solidFill>
+                    <a:latin typeface="Cambria Math" panose="02040503050406030204" pitchFamily="18" charset="0"/>
+                  </a:rPr>
+                  <m:t>=</m:t>
+                </m:r>
+                <m:r>
+                  <a:rPr xmlns:a="http://schemas.openxmlformats.org/drawingml/2006/main" sz="1600" i="1">
+                    <a:solidFill>
+                      <a:srgbClr val="38571A"/>
+                    </a:solidFill>
+                    <a:latin typeface="Cambria Math" panose="02040503050406030204" pitchFamily="18" charset="0"/>
+                  </a:rPr>
+                  <m:t>0</m:t>
+                </m:r>
+              </m:oMath>
+            </a14:m>
+            <a:r>
+              <a:rPr b="0"/>
+              <a:t>.</a:t>
+            </a:r>
+          </a:p>
+        </p:txBody>
+      </p:sp>
+      <p:sp>
+        <p:nvSpPr>
+          <p:cNvPr id="188" name="Let’s find the roots for"/>
+          <p:cNvSpPr txBox="1"/>
+          <p:nvPr/>
+        </p:nvSpPr>
+        <p:spPr>
+          <a:xfrm>
+            <a:off x="3439121" y="638245"/>
+            <a:ext cx="3427013" cy="450511"/>
+          </a:xfrm>
+          <a:prstGeom prst="rect">
+            <a:avLst/>
+          </a:prstGeom>
+          <a:ln w="12700">
+            <a:miter lim="400000"/>
+          </a:ln>
+          <a:extLst>
+            <a:ext uri="{C572A759-6A51-4108-AA02-DFA0A04FC94B}">
+              <ma14:wrappingTextBoxFlag xmlns:ma14="http://schemas.microsoft.com/office/mac/drawingml/2011/main" val="1"/>
+            </a:ext>
+          </a:extLst>
+        </p:spPr>
+        <p:txBody>
+          <a:bodyPr lIns="0" tIns="0" rIns="0" bIns="0">
+            <a:spAutoFit/>
+          </a:bodyPr>
+          <a:lstStyle/>
+          <a:p>
+            <a:pPr>
+              <a:defRPr>
+                <a:solidFill>
+                  <a:srgbClr val="012F7B"/>
+                </a:solidFill>
+              </a:defRPr>
+            </a:pPr>
+            <a:r>
+              <a:t>Let’s find the roots for </a:t>
+            </a:r>
+            <a14:m>
+              <m:oMath>
+                <m:r>
+                  <a:rPr xmlns:a="http://schemas.openxmlformats.org/drawingml/2006/main" sz="1650" i="1">
+                    <a:solidFill>
+                      <a:srgbClr val="012F7B"/>
+                    </a:solidFill>
+                    <a:latin typeface="Cambria Math" panose="02040503050406030204" pitchFamily="18" charset="0"/>
+                  </a:rPr>
+                  <m:t>f</m:t>
+                </m:r>
+                <m:r>
+                  <a:rPr xmlns:a="http://schemas.openxmlformats.org/drawingml/2006/main" sz="1650" i="1">
+                    <a:solidFill>
+                      <a:srgbClr val="012F7B"/>
+                    </a:solidFill>
+                    <a:latin typeface="Cambria Math" panose="02040503050406030204" pitchFamily="18" charset="0"/>
+                  </a:rPr>
+                  <m:t>(</m:t>
+                </m:r>
+                <m:r>
+                  <a:rPr xmlns:a="http://schemas.openxmlformats.org/drawingml/2006/main" sz="1650" i="1">
+                    <a:solidFill>
+                      <a:srgbClr val="012F7B"/>
+                    </a:solidFill>
+                    <a:latin typeface="Cambria Math" panose="02040503050406030204" pitchFamily="18" charset="0"/>
+                  </a:rPr>
+                  <m:t>x</m:t>
+                </m:r>
+                <m:r>
+                  <a:rPr xmlns:a="http://schemas.openxmlformats.org/drawingml/2006/main" sz="1650" i="1">
+                    <a:solidFill>
+                      <a:srgbClr val="012F7B"/>
+                    </a:solidFill>
+                    <a:latin typeface="Cambria Math" panose="02040503050406030204" pitchFamily="18" charset="0"/>
+                  </a:rPr>
+                  <m:t>)</m:t>
+                </m:r>
+                <m:r>
+                  <a:rPr xmlns:a="http://schemas.openxmlformats.org/drawingml/2006/main" sz="1650" i="1">
+                    <a:solidFill>
+                      <a:srgbClr val="012F7B"/>
+                    </a:solidFill>
+                    <a:latin typeface="Cambria Math" panose="02040503050406030204" pitchFamily="18" charset="0"/>
+                  </a:rPr>
+                  <m:t>=</m:t>
+                </m:r>
+                <m:sSup>
+                  <m:e>
+                    <m:r>
+                      <a:rPr xmlns:a="http://schemas.openxmlformats.org/drawingml/2006/main" sz="1650" i="1">
+                        <a:solidFill>
+                          <a:srgbClr val="012F7B"/>
+                        </a:solidFill>
+                        <a:latin typeface="Cambria Math" panose="02040503050406030204" pitchFamily="18" charset="0"/>
+                      </a:rPr>
+                      <m:t>x</m:t>
+                    </m:r>
+                  </m:e>
+                  <m:sup>
+                    <m:r>
+                      <a:rPr xmlns:a="http://schemas.openxmlformats.org/drawingml/2006/main" sz="1650" i="1">
+                        <a:solidFill>
+                          <a:srgbClr val="012F7B"/>
+                        </a:solidFill>
+                        <a:latin typeface="Cambria Math" panose="02040503050406030204" pitchFamily="18" charset="0"/>
+                      </a:rPr>
+                      <m:t>3</m:t>
+                    </m:r>
+                  </m:sup>
+                </m:sSup>
+                <m:r>
+                  <a:rPr xmlns:a="http://schemas.openxmlformats.org/drawingml/2006/main" sz="1650" i="1">
+                    <a:solidFill>
+                      <a:srgbClr val="012F7B"/>
+                    </a:solidFill>
+                    <a:latin typeface="Cambria Math" panose="02040503050406030204" pitchFamily="18" charset="0"/>
+                  </a:rPr>
+                  <m:t>-</m:t>
+                </m:r>
+                <m:sSup>
+                  <m:e>
+                    <m:r>
+                      <a:rPr xmlns:a="http://schemas.openxmlformats.org/drawingml/2006/main" sz="1650" i="1">
+                        <a:solidFill>
+                          <a:srgbClr val="012F7B"/>
+                        </a:solidFill>
+                        <a:latin typeface="Cambria Math" panose="02040503050406030204" pitchFamily="18" charset="0"/>
+                      </a:rPr>
+                      <m:t>x</m:t>
+                    </m:r>
+                  </m:e>
+                  <m:sup>
+                    <m:r>
+                      <a:rPr xmlns:a="http://schemas.openxmlformats.org/drawingml/2006/main" sz="1650" i="1">
+                        <a:solidFill>
+                          <a:srgbClr val="012F7B"/>
+                        </a:solidFill>
+                        <a:latin typeface="Cambria Math" panose="02040503050406030204" pitchFamily="18" charset="0"/>
+                      </a:rPr>
+                      <m:t>2</m:t>
+                    </m:r>
+                  </m:sup>
+                </m:sSup>
+                <m:r>
+                  <a:rPr xmlns:a="http://schemas.openxmlformats.org/drawingml/2006/main" sz="1650" i="1">
+                    <a:solidFill>
+                      <a:srgbClr val="012F7B"/>
+                    </a:solidFill>
+                    <a:latin typeface="Cambria Math" panose="02040503050406030204" pitchFamily="18" charset="0"/>
+                  </a:rPr>
+                  <m:t>-</m:t>
+                </m:r>
+                <m:r>
+                  <a:rPr xmlns:a="http://schemas.openxmlformats.org/drawingml/2006/main" sz="1650" i="1">
+                    <a:solidFill>
+                      <a:srgbClr val="012F7B"/>
+                    </a:solidFill>
+                    <a:latin typeface="Cambria Math" panose="02040503050406030204" pitchFamily="18" charset="0"/>
+                  </a:rPr>
+                  <m:t>2</m:t>
+                </m:r>
+                <m:r>
+                  <a:rPr xmlns:a="http://schemas.openxmlformats.org/drawingml/2006/main" sz="1650" i="1">
+                    <a:solidFill>
+                      <a:srgbClr val="012F7B"/>
+                    </a:solidFill>
+                    <a:latin typeface="Cambria Math" panose="02040503050406030204" pitchFamily="18" charset="0"/>
+                  </a:rPr>
+                  <m:t>x</m:t>
+                </m:r>
+              </m:oMath>
+            </a14:m>
+          </a:p>
+        </p:txBody>
+      </p:sp>
+      <p:pic>
+        <p:nvPicPr>
+          <p:cNvPr id="189" name="IMG_0059.png" descr="IMG_0059.png"/>
+          <p:cNvPicPr>
+            <a:picLocks noChangeAspect="1"/>
+          </p:cNvPicPr>
+          <p:nvPr/>
+        </p:nvPicPr>
+        <p:blipFill>
+          <a:blip r:embed="rId3">
+            <a:extLst/>
+          </a:blip>
+          <a:srcRect l="68059" t="57385" r="13087" b="26717"/>
+          <a:stretch>
+            <a:fillRect/>
+          </a:stretch>
+        </p:blipFill>
+        <p:spPr>
+          <a:xfrm>
+            <a:off x="5780065" y="493127"/>
+            <a:ext cx="2598560" cy="1643279"/>
+          </a:xfrm>
+          <a:prstGeom prst="rect">
+            <a:avLst/>
+          </a:prstGeom>
+          <a:ln w="12700">
+            <a:miter lim="400000"/>
+          </a:ln>
+        </p:spPr>
+      </p:pic>
+      <p:grpSp>
+        <p:nvGrpSpPr>
+          <p:cNvPr id="192" name="Problem set. Be sure to:…"/>
+          <p:cNvGrpSpPr/>
+          <p:nvPr/>
+        </p:nvGrpSpPr>
+        <p:grpSpPr>
+          <a:xfrm>
+            <a:off x="4457706" y="3040926"/>
+            <a:ext cx="3506777" cy="1130301"/>
+            <a:chOff x="0" y="0"/>
+            <a:chExt cx="3506775" cy="1130300"/>
+          </a:xfrm>
+        </p:grpSpPr>
+        <p:sp>
+          <p:nvSpPr>
+            <p:cNvPr id="191" name="Problem set. Be sure to:…"/>
+            <p:cNvSpPr txBox="1"/>
+            <p:nvPr/>
+          </p:nvSpPr>
+          <p:spPr>
+            <a:xfrm>
+              <a:off x="12700" y="12700"/>
+              <a:ext cx="3481376" cy="1104900"/>
+            </a:xfrm>
+            <a:prstGeom prst="rect">
+              <a:avLst/>
+            </a:prstGeom>
+            <a:noFill/>
+            <a:ln>
+              <a:noFill/>
+            </a:ln>
+            <a:effectLst/>
+            <a:extLst>
+              <a:ext uri="{C572A759-6A51-4108-AA02-DFA0A04FC94B}">
+                <ma14:wrappingTextBoxFlag xmlns:ma14="http://schemas.microsoft.com/office/mac/drawingml/2011/main" val="1"/>
+              </a:ext>
+            </a:extLst>
+          </p:spPr>
+          <p:txBody>
+            <a:bodyPr wrap="square" lIns="0" tIns="0" rIns="0" bIns="0" numCol="1" anchor="t">
+              <a:spAutoFit/>
+            </a:bodyPr>
+            <a:lstStyle/>
+            <a:p>
+              <a:pPr>
+                <a:defRPr>
+                  <a:solidFill>
+                    <a:srgbClr val="000000"/>
+                  </a:solidFill>
+                </a:defRPr>
+              </a:pPr>
+              <a:r>
+                <a:t>Problem set. </a:t>
+              </a:r>
+              <a:r>
+                <a:rPr>
+                  <a:solidFill>
+                    <a:srgbClr val="FF6A00"/>
+                  </a:solidFill>
+                </a:rPr>
+                <a:t>Be sure to: </a:t>
+              </a:r>
+              <a:endParaRPr>
+                <a:solidFill>
+                  <a:srgbClr val="FF6A00"/>
+                </a:solidFill>
+              </a:endParaRPr>
+            </a:p>
+            <a:p>
+              <a:pPr marL="140368" indent="-140368">
+                <a:buSzPct val="100000"/>
+                <a:buChar char="•"/>
+                <a:defRPr>
+                  <a:solidFill>
+                    <a:srgbClr val="000000"/>
+                  </a:solidFill>
+                </a:defRPr>
+              </a:pPr>
+              <a:r>
+                <a:t>Do all work in notebook.</a:t>
+              </a:r>
+            </a:p>
+            <a:p>
+              <a:pPr marL="140368" indent="-140368">
+                <a:buSzPct val="100000"/>
+                <a:buChar char="•"/>
+                <a:defRPr>
+                  <a:solidFill>
+                    <a:srgbClr val="000000"/>
+                  </a:solidFill>
+                </a:defRPr>
+              </a:pPr>
+              <a:r>
+                <a:t>Show all work.</a:t>
+              </a:r>
+            </a:p>
+            <a:p>
+              <a:pPr marL="140368" indent="-140368">
+                <a:buSzPct val="100000"/>
+                <a:buChar char="•"/>
+                <a:defRPr>
+                  <a:solidFill>
+                    <a:srgbClr val="000000"/>
+                  </a:solidFill>
+                </a:defRPr>
+              </a:pPr>
+              <a:r>
+                <a:t>Work at volume 0 for first </a:t>
+              </a:r>
+              <a:r>
+                <a:rPr u="sng"/>
+                <a:t>four</a:t>
+              </a:r>
+              <a:r>
+                <a:t> minutes. Then you can check in with a neighbor</a:t>
+              </a:r>
+            </a:p>
+          </p:txBody>
+        </p:sp>
+        <p:pic>
+          <p:nvPicPr>
+            <p:cNvPr id="190" name="Problem set. Be sure to:… Problem set. Be sure to: Do all work in notebook.Show all work.Work at volume 0 for first four minutes. Then you can check in with a neighbor" descr="Problem set. Be sure to:… Problem set. Be sure to: Do all work in notebook.Show all work.Work at volume 0 for first four minutes. Then you can check in with a neighbor"/>
+            <p:cNvPicPr>
+              <a:picLocks noChangeAspect="0"/>
+            </p:cNvPicPr>
+            <p:nvPr/>
+          </p:nvPicPr>
+          <p:blipFill>
+            <a:blip r:embed="rId4">
+              <a:extLst/>
+            </a:blip>
+            <a:stretch>
+              <a:fillRect/>
+            </a:stretch>
+          </p:blipFill>
+          <p:spPr>
+            <a:xfrm>
+              <a:off x="0" y="0"/>
+              <a:ext cx="3506776" cy="1130300"/>
+            </a:xfrm>
+            <a:prstGeom prst="rect">
+              <a:avLst/>
+            </a:prstGeom>
+            <a:effectLst/>
+          </p:spPr>
+        </p:pic>
+      </p:grpSp>
+    </p:spTree>
+  </p:cSld>
+  <p:clrMapOvr>
+    <a:masterClrMapping/>
+  </p:clrMapOvr>
+  <p:transition xmlns:p14="http://schemas.microsoft.com/office/powerpoint/2010/main" spd="med" advClick="1"/>
+  <p:timing>
+    <p:tnLst>
+      <p:par>
+        <p:cTn id="1" nodeType="tmRoot" restart="never" dur="indefinite" fill="hold">
+          <p:childTnLst>
+            <p:seq concurrent="1" prevAc="none" nextAc="seek">
+              <p:cTn id="2" nodeType="mainSeq" dur="indefinite" fill="hold">
+                <p:childTnLst>
+                  <p:par>
+                    <p:cTn id="3" fill="hold">
+                      <p:stCondLst>
+                        <p:cond delay="indefinite"/>
+                      </p:stCondLst>
+                      <p:childTnLst>
+                        <p:par>
+                          <p:cTn id="4" fill="hold">
+                            <p:stCondLst>
+                              <p:cond delay="0"/>
+                            </p:stCondLst>
+                            <p:childTnLst>
+                              <p:par>
+                                <p:cTn id="5" presetClass="entr" nodeType="clickEffect" presetSubtype="0" presetID="1" grpId="1" fill="hold">
+                                  <p:stCondLst>
+                                    <p:cond delay="0"/>
+                                  </p:stCondLst>
+                                  <p:iterate type="el" backwards="0">
+                                    <p:tmAbs val="0"/>
+                                  </p:iterate>
+                                  <p:childTnLst>
+                                    <p:set>
+                                      <p:cBhvr>
+                                        <p:cTn id="6" fill="hold"/>
+                                        <p:tgtEl>
+                                          <p:spTgt spid="187"/>
+                                        </p:tgtEl>
+                                        <p:attrNameLst>
+                                          <p:attrName>style.visibility</p:attrName>
+                                        </p:attrNameLst>
+                                      </p:cBhvr>
+                                      <p:to>
+                                        <p:strVal val="visible"/>
+                                      </p:to>
+                                    </p:set>
+                                  </p:childTnLst>
+                                </p:cTn>
+                              </p:par>
+                            </p:childTnLst>
+                          </p:cTn>
+                        </p:par>
+                      </p:childTnLst>
+                    </p:cTn>
+                  </p:par>
+                  <p:par>
+                    <p:cTn id="7" fill="hold">
+                      <p:stCondLst>
+                        <p:cond delay="indefinite"/>
+                      </p:stCondLst>
+                      <p:childTnLst>
+                        <p:par>
+                          <p:cTn id="8" fill="hold">
+                            <p:stCondLst>
+                              <p:cond delay="0"/>
+                            </p:stCondLst>
+                            <p:childTnLst>
+                              <p:par>
+                                <p:cTn id="9" presetClass="entr" nodeType="clickEffect" presetSubtype="0" presetID="1" grpId="2" fill="hold">
+                                  <p:stCondLst>
+                                    <p:cond delay="0"/>
+                                  </p:stCondLst>
+                                  <p:iterate type="el" backwards="0">
+                                    <p:tmAbs val="0"/>
+                                  </p:iterate>
+                                  <p:childTnLst>
+                                    <p:set>
+                                      <p:cBhvr>
+                                        <p:cTn id="10" fill="hold"/>
+                                        <p:tgtEl>
+                                          <p:spTgt spid="188"/>
+                                        </p:tgtEl>
+                                        <p:attrNameLst>
+                                          <p:attrName>style.visibility</p:attrName>
+                                        </p:attrNameLst>
+                                      </p:cBhvr>
+                                      <p:to>
+                                        <p:strVal val="visible"/>
+                                      </p:to>
+                                    </p:set>
+                                  </p:childTnLst>
+                                </p:cTn>
+                              </p:par>
+                            </p:childTnLst>
+                          </p:cTn>
+                        </p:par>
+                      </p:childTnLst>
+                    </p:cTn>
+                  </p:par>
+                  <p:par>
+                    <p:cTn id="11" fill="hold">
+                      <p:stCondLst>
+                        <p:cond delay="indefinite"/>
+                      </p:stCondLst>
+                      <p:childTnLst>
+                        <p:par>
+                          <p:cTn id="12" fill="hold">
+                            <p:stCondLst>
+                              <p:cond delay="0"/>
+                            </p:stCondLst>
+                            <p:childTnLst>
+                              <p:par>
+                                <p:cTn id="13" presetClass="entr" nodeType="clickEffect" presetSubtype="0" presetID="1" grpId="3" fill="hold">
+                                  <p:stCondLst>
+                                    <p:cond delay="0"/>
+                                  </p:stCondLst>
+                                  <p:iterate type="el" backwards="0">
+                                    <p:tmAbs val="0"/>
+                                  </p:iterate>
+                                  <p:childTnLst>
+                                    <p:set>
+                                      <p:cBhvr>
+                                        <p:cTn id="14" fill="hold"/>
+                                        <p:tgtEl>
+                                          <p:spTgt spid="189"/>
+                                        </p:tgtEl>
+                                        <p:attrNameLst>
+                                          <p:attrName>style.visibility</p:attrName>
+                                        </p:attrNameLst>
+                                      </p:cBhvr>
+                                      <p:to>
+                                        <p:strVal val="visible"/>
+                                      </p:to>
+                                    </p:set>
+                                  </p:childTnLst>
+                                </p:cTn>
+                              </p:par>
+                            </p:childTnLst>
+                          </p:cTn>
+                        </p:par>
+                      </p:childTnLst>
+                    </p:cTn>
+                  </p:par>
+                  <p:par>
+                    <p:cTn id="15" fill="hold">
+                      <p:stCondLst>
+                        <p:cond delay="indefinite"/>
+                      </p:stCondLst>
+                      <p:childTnLst>
+                        <p:par>
+                          <p:cTn id="16" fill="hold">
+                            <p:stCondLst>
+                              <p:cond delay="0"/>
+                            </p:stCondLst>
+                            <p:childTnLst>
+                              <p:par>
+                                <p:cTn id="17" presetClass="entr" nodeType="clickEffect" presetSubtype="0" presetID="1" grpId="4" fill="hold">
+                                  <p:stCondLst>
+                                    <p:cond delay="0"/>
+                                  </p:stCondLst>
+                                  <p:iterate type="el" backwards="0">
+                                    <p:tmAbs val="0"/>
+                                  </p:iterate>
+                                  <p:childTnLst>
+                                    <p:set>
+                                      <p:cBhvr>
+                                        <p:cTn id="18" fill="hold"/>
+                                        <p:tgtEl>
+                                          <p:spTgt spid="192"/>
+                                        </p:tgtEl>
+                                        <p:attrNameLst>
+                                          <p:attrName>style.visibility</p:attrName>
+                                        </p:attrNameLst>
+                                      </p:cBhvr>
+                                      <p:to>
+                                        <p:strVal val="visible"/>
+                                      </p:to>
+                                    </p:set>
+                                  </p:childTnLst>
+                                </p:cTn>
+                              </p:par>
+                            </p:childTnLst>
+                          </p:cTn>
+                        </p:par>
+                      </p:childTnLst>
+                    </p:cTn>
+                  </p:par>
+                </p:childTnLst>
+              </p:cTn>
+              <p:prevCondLst>
+                <p:cond evt="onPrev">
+                  <p:tgtEl>
+                    <p:sldTgt/>
+                  </p:tgtEl>
+                </p:cond>
+              </p:prevCondLst>
+              <p:nextCondLst>
+                <p:cond evt="onNext">
+                  <p:tgtEl>
+                    <p:sldTgt/>
+                  </p:tgtEl>
+                </p:cond>
+              </p:nextCondLst>
+            </p:seq>
+          </p:childTnLst>
+        </p:cTn>
+      </p:par>
+    </p:tnLst>
+    <p:bldLst>
+      <p:bldP build="whole" bldLvl="1" animBg="1" rev="0" advAuto="0" spid="189" grpId="3"/>
+      <p:bldP build="whole" bldLvl="1" animBg="1" rev="0" advAuto="0" spid="192" grpId="4"/>
+      <p:bldP build="whole" bldLvl="1" animBg="1" rev="0" advAuto="0" spid="188" grpId="2"/>
+      <p:bldP build="whole" bldLvl="1" animBg="1" rev="0" advAuto="0" spid="187" grpId="1"/>
+    </p:bldLst>
+  </p:timing>
+</p:sld>
+</file>
+
+<file path=ppt/slides/slide5.xml><?xml version="1.0" encoding="utf-8"?>
+<p:sld xmlns:a="http://schemas.openxmlformats.org/drawingml/2006/main" xmlns:r="http://schemas.openxmlformats.org/officeDocument/2006/relationships" xmlns:p="http://schemas.openxmlformats.org/presentationml/2006/main" xmlns:m="http://schemas.openxmlformats.org/officeDocument/2006/math" xmlns:a14="http://schemas.microsoft.com/office/drawing/2010/main" showMasterSp="1" showMasterPhAnim="1">
+  <p:cSld>
+    <p:spTree>
+      <p:nvGrpSpPr>
+        <p:cNvPr id="1" name=""/>
+        <p:cNvGrpSpPr/>
+        <p:nvPr/>
+      </p:nvGrpSpPr>
+      <p:grpSpPr>
+        <a:xfrm>
+          <a:off x="0" y="0"/>
+          <a:ext cx="0" cy="0"/>
+          <a:chOff x="0" y="0"/>
+          <a:chExt cx="0" cy="0"/>
+        </a:xfrm>
+      </p:grpSpPr>
+      <p:sp>
+        <p:nvSpPr>
+          <p:cNvPr id="196" name="Double-click to edit"/>
+          <p:cNvSpPr txBox="1"/>
+          <p:nvPr>
+            <p:ph type="title"/>
+          </p:nvPr>
+        </p:nvSpPr>
+        <p:spPr>
+          <a:xfrm>
+            <a:off x="2270810" y="303149"/>
+            <a:ext cx="6321602" cy="635402"/>
+          </a:xfrm>
+          <a:prstGeom prst="rect">
+            <a:avLst/>
+          </a:prstGeom>
+        </p:spPr>
+        <p:txBody>
+          <a:bodyPr/>
+          <a:lstStyle/>
+          <a:p>
+            <a:pPr defTabSz="886968">
+              <a:defRPr sz="2910"/>
+            </a:pPr>
+          </a:p>
+        </p:txBody>
+      </p:sp>
+      <p:sp>
+        <p:nvSpPr>
+          <p:cNvPr id="197" name="Double-click to edit"/>
+          <p:cNvSpPr txBox="1"/>
+          <p:nvPr>
+            <p:ph type="body" idx="1"/>
+          </p:nvPr>
+        </p:nvSpPr>
+        <p:spPr>
+          <a:prstGeom prst="rect">
+            <a:avLst/>
+          </a:prstGeom>
+        </p:spPr>
+        <p:txBody>
+          <a:bodyPr/>
+          <a:lstStyle/>
+          <a:p>
+            <a:pPr/>
+          </a:p>
+        </p:txBody>
+      </p:sp>
+      <p:pic>
+        <p:nvPicPr>
+          <p:cNvPr id="198" name="Image" descr="Image"/>
+          <p:cNvPicPr>
+            <a:picLocks noChangeAspect="1"/>
+          </p:cNvPicPr>
+          <p:nvPr/>
+        </p:nvPicPr>
+        <p:blipFill>
+          <a:blip r:embed="rId3">
+            <a:extLst/>
+          </a:blip>
+          <a:stretch>
+            <a:fillRect/>
+          </a:stretch>
+        </p:blipFill>
+        <p:spPr>
+          <a:xfrm>
+            <a:off x="2225901" y="102704"/>
+            <a:ext cx="4891541" cy="4328877"/>
+          </a:xfrm>
+          <a:prstGeom prst="rect">
+            <a:avLst/>
+          </a:prstGeom>
+          <a:ln w="12700">
+            <a:miter lim="400000"/>
+          </a:ln>
+        </p:spPr>
+      </p:pic>
+    </p:spTree>
+  </p:cSld>
+  <p:clrMapOvr>
+    <a:masterClrMapping/>
+  </p:clrMapOvr>
+  <p:transition xmlns:p14="http://schemas.microsoft.com/office/powerpoint/2010/main" spd="med" advClick="1"/>
+</p:sld>
+</file>
+
+<file path=ppt/slides/slide6.xml><?xml version="1.0" encoding="utf-8"?>
+<p:sld xmlns:a="http://schemas.openxmlformats.org/drawingml/2006/main" xmlns:r="http://schemas.openxmlformats.org/officeDocument/2006/relationships" xmlns:p="http://schemas.openxmlformats.org/presentationml/2006/main" xmlns:m="http://schemas.openxmlformats.org/officeDocument/2006/math" xmlns:a14="http://schemas.microsoft.com/office/drawing/2010/main" showMasterSp="1" showMasterPhAnim="1">
+  <p:cSld>
+    <p:spTree>
+      <p:nvGrpSpPr>
+        <p:cNvPr id="1" name=""/>
+        <p:cNvGrpSpPr/>
+        <p:nvPr/>
+      </p:nvGrpSpPr>
+      <p:grpSpPr>
+        <a:xfrm>
+          <a:off x="0" y="0"/>
+          <a:ext cx="0" cy="0"/>
+          <a:chOff x="0" y="0"/>
+          <a:chExt cx="0" cy="0"/>
+        </a:xfrm>
+      </p:grpSpPr>
+      <p:sp>
+        <p:nvSpPr>
+          <p:cNvPr id="202" name="Double-click to edit"/>
+          <p:cNvSpPr txBox="1"/>
+          <p:nvPr>
+            <p:ph type="title"/>
+          </p:nvPr>
+        </p:nvSpPr>
+        <p:spPr>
+          <a:prstGeom prst="rect">
+            <a:avLst/>
+          </a:prstGeom>
+        </p:spPr>
+        <p:txBody>
+          <a:bodyPr/>
+          <a:lstStyle/>
+          <a:p>
+            <a:pPr defTabSz="886968">
+              <a:defRPr sz="2910"/>
+            </a:pPr>
+          </a:p>
+        </p:txBody>
+      </p:sp>
+      <p:sp>
+        <p:nvSpPr>
+          <p:cNvPr id="203" name="Double-click to edit"/>
+          <p:cNvSpPr txBox="1"/>
+          <p:nvPr>
+            <p:ph type="body" idx="1"/>
+          </p:nvPr>
+        </p:nvSpPr>
+        <p:spPr>
+          <a:prstGeom prst="rect">
+            <a:avLst/>
+          </a:prstGeom>
+        </p:spPr>
+        <p:txBody>
+          <a:bodyPr/>
+          <a:lstStyle/>
+          <a:p>
+            <a:pPr/>
+          </a:p>
+        </p:txBody>
+      </p:sp>
+      <p:pic>
+        <p:nvPicPr>
+          <p:cNvPr id="204" name="Image" descr="Image"/>
+          <p:cNvPicPr>
+            <a:picLocks noChangeAspect="1"/>
+          </p:cNvPicPr>
+          <p:nvPr/>
+        </p:nvPicPr>
+        <p:blipFill>
+          <a:blip r:embed="rId2">
+            <a:extLst/>
+          </a:blip>
+          <a:stretch>
+            <a:fillRect/>
+          </a:stretch>
+        </p:blipFill>
+        <p:spPr>
+          <a:xfrm>
+            <a:off x="1022350" y="1504950"/>
+            <a:ext cx="7099300" cy="2133600"/>
+          </a:xfrm>
+          <a:prstGeom prst="rect">
+            <a:avLst/>
+          </a:prstGeom>
+          <a:ln w="12700">
+            <a:miter lim="400000"/>
+          </a:ln>
+        </p:spPr>
+      </p:pic>
+    </p:spTree>
+  </p:cSld>
+  <p:clrMapOvr>
+    <a:masterClrMapping/>
+  </p:clrMapOvr>
+  <p:transition xmlns:p14="http://schemas.microsoft.com/office/powerpoint/2010/main" spd="med" advClick="1"/>
+</p:sld>
+</file>
+
+<file path=ppt/slides/slide7.xml><?xml version="1.0" encoding="utf-8"?>
+<p:sld xmlns:a="http://schemas.openxmlformats.org/drawingml/2006/main" xmlns:r="http://schemas.openxmlformats.org/officeDocument/2006/relationships" xmlns:p="http://schemas.openxmlformats.org/presentationml/2006/main" xmlns:m="http://schemas.openxmlformats.org/officeDocument/2006/math" xmlns:a14="http://schemas.microsoft.com/office/drawing/2010/main" showMasterSp="1" showMasterPhAnim="1">
+  <p:cSld>
+    <p:spTree>
+      <p:nvGrpSpPr>
+        <p:cNvPr id="1" name=""/>
+        <p:cNvGrpSpPr/>
+        <p:nvPr/>
+      </p:nvGrpSpPr>
+      <p:grpSpPr>
+        <a:xfrm>
+          <a:off x="0" y="0"/>
+          <a:ext cx="0" cy="0"/>
+          <a:chOff x="0" y="0"/>
+          <a:chExt cx="0" cy="0"/>
+        </a:xfrm>
+      </p:grpSpPr>
+      <p:sp>
+        <p:nvSpPr>
+          <p:cNvPr id="206" name="Double-click to edit"/>
+          <p:cNvSpPr txBox="1"/>
+          <p:nvPr>
+            <p:ph type="title"/>
+          </p:nvPr>
+        </p:nvSpPr>
+        <p:spPr>
+          <a:prstGeom prst="rect">
+            <a:avLst/>
+          </a:prstGeom>
+        </p:spPr>
+        <p:txBody>
+          <a:bodyPr/>
+          <a:lstStyle/>
+          <a:p>
+            <a:pPr defTabSz="886968">
+              <a:defRPr sz="2910"/>
+            </a:pPr>
+          </a:p>
+        </p:txBody>
+      </p:sp>
+      <p:sp>
+        <p:nvSpPr>
+          <p:cNvPr id="207" name="Double-click to edit"/>
+          <p:cNvSpPr txBox="1"/>
+          <p:nvPr>
+            <p:ph type="body" idx="1"/>
+          </p:nvPr>
+        </p:nvSpPr>
+        <p:spPr>
+          <a:prstGeom prst="rect">
+            <a:avLst/>
+          </a:prstGeom>
+        </p:spPr>
+        <p:txBody>
+          <a:bodyPr/>
+          <a:lstStyle/>
+          <a:p>
+            <a:pPr/>
+          </a:p>
+        </p:txBody>
+      </p:sp>
+      <p:pic>
+        <p:nvPicPr>
+          <p:cNvPr id="208" name="Image" descr="Image"/>
+          <p:cNvPicPr>
+            <a:picLocks noChangeAspect="1"/>
+          </p:cNvPicPr>
+          <p:nvPr/>
+        </p:nvPicPr>
+        <p:blipFill>
+          <a:blip r:embed="rId2">
+            <a:extLst/>
+          </a:blip>
+          <a:stretch>
+            <a:fillRect/>
+          </a:stretch>
+        </p:blipFill>
+        <p:spPr>
+          <a:xfrm>
+            <a:off x="679450" y="1371600"/>
+            <a:ext cx="7785100" cy="2400300"/>
+          </a:xfrm>
+          <a:prstGeom prst="rect">
+            <a:avLst/>
+          </a:prstGeom>
+          <a:ln w="12700">
+            <a:miter lim="400000"/>
+          </a:ln>
+        </p:spPr>
+      </p:pic>
+    </p:spTree>
+  </p:cSld>
+  <p:clrMapOvr>
+    <a:masterClrMapping/>
+  </p:clrMapOvr>
+  <p:transition xmlns:p14="http://schemas.microsoft.com/office/powerpoint/2010/main" spd="med" advClick="1"/>
+</p:sld>
+</file>
+
+<file path=ppt/slides/slide8.xml><?xml version="1.0" encoding="utf-8"?>
+<p:sld xmlns:a="http://schemas.openxmlformats.org/drawingml/2006/main" xmlns:r="http://schemas.openxmlformats.org/officeDocument/2006/relationships" xmlns:p="http://schemas.openxmlformats.org/presentationml/2006/main" xmlns:m="http://schemas.openxmlformats.org/officeDocument/2006/math" xmlns:a14="http://schemas.microsoft.com/office/drawing/2010/main" showMasterSp="1" showMasterPhAnim="1">
+  <p:cSld>
+    <p:spTree>
+      <p:nvGrpSpPr>
+        <p:cNvPr id="1" name=""/>
+        <p:cNvGrpSpPr/>
+        <p:nvPr/>
+      </p:nvGrpSpPr>
+      <p:grpSpPr>
+        <a:xfrm>
+          <a:off x="0" y="0"/>
+          <a:ext cx="0" cy="0"/>
+          <a:chOff x="0" y="0"/>
+          <a:chExt cx="0" cy="0"/>
+        </a:xfrm>
+      </p:grpSpPr>
+      <p:sp>
+        <p:nvSpPr>
+          <p:cNvPr id="210" name="Double-click to edit"/>
+          <p:cNvSpPr txBox="1"/>
+          <p:nvPr>
+            <p:ph type="title"/>
+          </p:nvPr>
+        </p:nvSpPr>
+        <p:spPr>
+          <a:prstGeom prst="rect">
+            <a:avLst/>
+          </a:prstGeom>
+        </p:spPr>
+        <p:txBody>
+          <a:bodyPr/>
+          <a:lstStyle/>
+          <a:p>
+            <a:pPr defTabSz="886968">
+              <a:defRPr sz="2910"/>
+            </a:pPr>
+          </a:p>
+        </p:txBody>
+      </p:sp>
+      <p:sp>
+        <p:nvSpPr>
+          <p:cNvPr id="211" name="Double-click to edit"/>
+          <p:cNvSpPr txBox="1"/>
+          <p:nvPr>
+            <p:ph type="body" idx="1"/>
+          </p:nvPr>
+        </p:nvSpPr>
+        <p:spPr>
+          <a:prstGeom prst="rect">
+            <a:avLst/>
+          </a:prstGeom>
+        </p:spPr>
+        <p:txBody>
+          <a:bodyPr/>
+          <a:lstStyle/>
+          <a:p>
+            <a:pPr/>
+          </a:p>
+        </p:txBody>
+      </p:sp>
+      <p:pic>
+        <p:nvPicPr>
+          <p:cNvPr id="212" name="Image" descr="Image"/>
+          <p:cNvPicPr>
+            <a:picLocks noChangeAspect="1"/>
+          </p:cNvPicPr>
+          <p:nvPr/>
+        </p:nvPicPr>
+        <p:blipFill>
+          <a:blip r:embed="rId3">
+            <a:extLst/>
+          </a:blip>
+          <a:stretch>
+            <a:fillRect/>
+          </a:stretch>
+        </p:blipFill>
+        <p:spPr>
+          <a:xfrm>
+            <a:off x="850900" y="1536700"/>
+            <a:ext cx="7442200" cy="2070100"/>
+          </a:xfrm>
+          <a:prstGeom prst="rect">
+            <a:avLst/>
+          </a:prstGeom>
+          <a:ln w="12700">
+            <a:miter lim="400000"/>
+          </a:ln>
+        </p:spPr>
+      </p:pic>
+    </p:spTree>
+  </p:cSld>
+  <p:clrMapOvr>
+    <a:masterClrMapping/>
+  </p:clrMapOvr>
+  <p:transition xmlns:p14="http://schemas.microsoft.com/office/powerpoint/2010/main" spd="med" advClick="1"/>
+</p:sld>
+</file>
+
+<file path=ppt/slides/slide9.xml><?xml version="1.0" encoding="utf-8"?>
+<p:sld xmlns:a="http://schemas.openxmlformats.org/drawingml/2006/main" xmlns:r="http://schemas.openxmlformats.org/officeDocument/2006/relationships" xmlns:p="http://schemas.openxmlformats.org/presentationml/2006/main" xmlns:m="http://schemas.openxmlformats.org/officeDocument/2006/math" xmlns:a14="http://schemas.microsoft.com/office/drawing/2010/main" showMasterSp="1" showMasterPhAnim="1">
+  <p:cSld>
+    <p:spTree>
+      <p:nvGrpSpPr>
+        <p:cNvPr id="1" name=""/>
+        <p:cNvGrpSpPr/>
+        <p:nvPr/>
+      </p:nvGrpSpPr>
+      <p:grpSpPr>
+        <a:xfrm>
+          <a:off x="0" y="0"/>
+          <a:ext cx="0" cy="0"/>
+          <a:chOff x="0" y="0"/>
+          <a:chExt cx="0" cy="0"/>
+        </a:xfrm>
+      </p:grpSpPr>
+      <p:sp>
+        <p:nvSpPr>
+          <p:cNvPr id="216" name="Double-click to edit"/>
+          <p:cNvSpPr txBox="1"/>
+          <p:nvPr>
+            <p:ph type="title"/>
+          </p:nvPr>
+        </p:nvSpPr>
+        <p:spPr>
+          <a:prstGeom prst="rect">
+            <a:avLst/>
+          </a:prstGeom>
+        </p:spPr>
+        <p:txBody>
+          <a:bodyPr/>
+          <a:lstStyle/>
+          <a:p>
+            <a:pPr defTabSz="886968">
+              <a:defRPr sz="2910"/>
+            </a:pPr>
+          </a:p>
+        </p:txBody>
+      </p:sp>
+      <p:sp>
+        <p:nvSpPr>
+          <p:cNvPr id="217" name="Double-click to edit"/>
+          <p:cNvSpPr txBox="1"/>
+          <p:nvPr>
+            <p:ph type="body" idx="1"/>
+          </p:nvPr>
+        </p:nvSpPr>
+        <p:spPr>
+          <a:prstGeom prst="rect">
+            <a:avLst/>
+          </a:prstGeom>
+        </p:spPr>
+        <p:txBody>
+          <a:bodyPr/>
+          <a:lstStyle/>
+          <a:p>
+            <a:pPr/>
+          </a:p>
+        </p:txBody>
+      </p:sp>
+      <p:pic>
+        <p:nvPicPr>
+          <p:cNvPr id="218" name="Image" descr="Image"/>
+          <p:cNvPicPr>
+            <a:picLocks noChangeAspect="1"/>
+          </p:cNvPicPr>
+          <p:nvPr/>
+        </p:nvPicPr>
+        <p:blipFill>
+          <a:blip r:embed="rId3">
+            <a:extLst/>
+          </a:blip>
+          <a:stretch>
+            <a:fillRect/>
+          </a:stretch>
+        </p:blipFill>
+        <p:spPr>
+          <a:xfrm>
+            <a:off x="679450" y="1371600"/>
+            <a:ext cx="7785100" cy="2400300"/>
+          </a:xfrm>
+          <a:prstGeom prst="rect">
+            <a:avLst/>
+          </a:prstGeom>
+          <a:ln w="12700">
+            <a:miter lim="400000"/>
+          </a:ln>
+        </p:spPr>
+      </p:pic>
     </p:spTree>
   </p:cSld>
   <p:clrMapOvr>
